--- a/Report/특허경진대회/특허경진대회 발표 PPT - 개가천선.pptx
+++ b/Report/특허경진대회/특허경진대회 발표 PPT - 개가천선.pptx
@@ -887,6 +887,58 @@
           <a:bodyPr/>
           <a:lstStyle/>
           <a:p>
+            <a:pPr marL="0" marR="0" lvl="0" indent="0" algn="l" defTabSz="914400" rtl="0" eaLnBrk="1" fontAlgn="auto" latinLnBrk="1" hangingPunct="1">
+              <a:lnSpc>
+                <a:spcPct val="100000"/>
+              </a:lnSpc>
+              <a:spcBef>
+                <a:spcPts val="0"/>
+              </a:spcBef>
+              <a:spcAft>
+                <a:spcPts val="0"/>
+              </a:spcAft>
+              <a:buClrTx/>
+              <a:buSzTx/>
+              <a:buFontTx/>
+              <a:buNone/>
+              <a:tabLst/>
+              <a:defRPr/>
+            </a:pPr>
+            <a:r>
+              <a:rPr lang="ko-KR" altLang="en-US" dirty="0" err="1"/>
+              <a:t>딥러닝으로</a:t>
+            </a:r>
+            <a:r>
+              <a:rPr lang="ko-KR" altLang="en-US" dirty="0"/>
+              <a:t> 훈련된 시스템의 이미지 인식 능력은 이미 인간을 앞서고 있습니다</a:t>
+            </a:r>
+            <a:r>
+              <a:rPr lang="en-US" altLang="ko-KR" dirty="0"/>
+              <a:t>. </a:t>
+            </a:r>
+            <a:r>
+              <a:rPr lang="ko-KR" altLang="en-US" dirty="0"/>
+              <a:t>인공지능의 영역을 반려견으로 </a:t>
+            </a:r>
+            <a:r>
+              <a:rPr lang="ko-KR" altLang="en-US" dirty="0" err="1"/>
+              <a:t>확장시켜서</a:t>
+            </a:r>
+            <a:r>
+              <a:rPr lang="en-US" altLang="ko-KR" dirty="0"/>
+              <a:t>, </a:t>
+            </a:r>
+            <a:r>
+              <a:rPr lang="ko-KR" altLang="en-US" dirty="0"/>
+              <a:t>컴퓨터 시스템을 통해 더 정확한 동물의 행동 분석에 이용하고자 했습니다</a:t>
+            </a:r>
+            <a:r>
+              <a:rPr lang="en-US" altLang="ko-KR" dirty="0"/>
+              <a:t>.</a:t>
+            </a:r>
+            <a:endParaRPr lang="ko-KR" altLang="en-US" dirty="0"/>
+          </a:p>
+          <a:p>
             <a:endParaRPr lang="en-US" altLang="ko-KR" dirty="0"/>
           </a:p>
         </p:txBody>
@@ -953,7 +1005,40 @@
           <a:bodyPr/>
           <a:lstStyle/>
           <a:p>
-            <a:endParaRPr lang="en-US" altLang="ko-KR" dirty="0"/>
+            <a:r>
+              <a:rPr lang="ko-KR" altLang="en-US" dirty="0"/>
+              <a:t>만 장 이상의 </a:t>
+            </a:r>
+            <a:r>
+              <a:rPr lang="ko-KR" altLang="en-US" dirty="0" err="1"/>
+              <a:t>반려견</a:t>
+            </a:r>
+            <a:r>
+              <a:rPr lang="ko-KR" altLang="en-US" dirty="0"/>
+              <a:t> 학습데이터를 학습 반복 횟수에 따라 정확도 추이를 출력시킨 것입니다</a:t>
+            </a:r>
+            <a:r>
+              <a:rPr lang="en-US" altLang="ko-KR" dirty="0"/>
+              <a:t>.</a:t>
+            </a:r>
+          </a:p>
+          <a:p>
+            <a:r>
+              <a:rPr lang="ko-KR" altLang="en-US" dirty="0"/>
+              <a:t>학습을 반복할수록 정확도는 늘어나고 </a:t>
+            </a:r>
+            <a:r>
+              <a:rPr lang="en-US" altLang="ko-KR" dirty="0"/>
+              <a:t>98%</a:t>
+            </a:r>
+            <a:r>
+              <a:rPr lang="ko-KR" altLang="en-US" dirty="0"/>
+              <a:t>의 정확도까지 향상하는 모습을 볼 수 있습니다</a:t>
+            </a:r>
+            <a:r>
+              <a:rPr lang="en-US" altLang="ko-KR" dirty="0"/>
+              <a:t>.</a:t>
+            </a:r>
           </a:p>
         </p:txBody>
       </p:sp>
@@ -1019,7 +1104,50 @@
           <a:bodyPr/>
           <a:lstStyle/>
           <a:p>
-            <a:endParaRPr lang="en-US" altLang="ko-KR" dirty="0"/>
+            <a:r>
+              <a:rPr lang="ko-KR" altLang="en-US" dirty="0"/>
+              <a:t>전전 페이지의 </a:t>
+            </a:r>
+            <a:r>
+              <a:rPr lang="en-US" altLang="ko-KR" dirty="0"/>
+              <a:t>CNN</a:t>
+            </a:r>
+            <a:r>
+              <a:rPr lang="ko-KR" altLang="en-US" dirty="0"/>
+              <a:t> 학습과정을 통해 각 자세별로 특징을 산출했고</a:t>
+            </a:r>
+            <a:r>
+              <a:rPr lang="en-US" altLang="ko-KR" dirty="0"/>
+              <a:t>,</a:t>
+            </a:r>
+          </a:p>
+          <a:p>
+            <a:r>
+              <a:rPr lang="ko-KR" altLang="en-US" dirty="0"/>
+              <a:t>산출된 자세 별 특징데이터를 이용하여 강화학습을 진행합니다</a:t>
+            </a:r>
+            <a:r>
+              <a:rPr lang="en-US" altLang="ko-KR" dirty="0"/>
+              <a:t>,</a:t>
+            </a:r>
+          </a:p>
+          <a:p>
+            <a:r>
+              <a:rPr lang="ko-KR" altLang="en-US" dirty="0"/>
+              <a:t>상단 그림처럼 </a:t>
+            </a:r>
+            <a:r>
+              <a:rPr lang="en-US" altLang="ko-KR" dirty="0"/>
+              <a:t>Multi-stage</a:t>
+            </a:r>
+            <a:r>
+              <a:rPr lang="ko-KR" altLang="en-US" dirty="0"/>
+              <a:t>과정을 거치면서 반려견의 특정 행동으로 최적화하는 과정을 거칩니다</a:t>
+            </a:r>
+            <a:r>
+              <a:rPr lang="en-US" altLang="ko-KR" dirty="0"/>
+              <a:t>.</a:t>
+            </a:r>
           </a:p>
         </p:txBody>
       </p:sp>
@@ -1085,7 +1213,38 @@
           <a:bodyPr/>
           <a:lstStyle/>
           <a:p>
-            <a:endParaRPr lang="en-US" altLang="ko-KR" dirty="0"/>
+            <a:r>
+              <a:rPr lang="ko-KR" altLang="en-US" dirty="0"/>
+              <a:t>모든 </a:t>
+            </a:r>
+            <a:r>
+              <a:rPr lang="ko-KR" altLang="en-US" dirty="0" err="1"/>
+              <a:t>머신러닝의</a:t>
+            </a:r>
+            <a:r>
+              <a:rPr lang="ko-KR" altLang="en-US" dirty="0"/>
+              <a:t> 과정을 거치면</a:t>
+            </a:r>
+            <a:r>
+              <a:rPr lang="en-US" altLang="ko-KR" dirty="0"/>
+              <a:t>, </a:t>
+            </a:r>
+            <a:r>
+              <a:rPr lang="ko-KR" altLang="en-US" dirty="0"/>
+              <a:t>마침내 강아지의 행동을 </a:t>
+            </a:r>
+            <a:r>
+              <a:rPr lang="ko-KR" altLang="en-US" dirty="0" err="1"/>
+              <a:t>무인카메라를</a:t>
+            </a:r>
+            <a:r>
+              <a:rPr lang="ko-KR" altLang="en-US" dirty="0"/>
+              <a:t> 통해 판별할 수 있습니다</a:t>
+            </a:r>
+            <a:r>
+              <a:rPr lang="en-US" altLang="ko-KR" dirty="0"/>
+              <a:t>.</a:t>
+            </a:r>
           </a:p>
         </p:txBody>
       </p:sp>
@@ -6377,6 +6536,522 @@
           </a:p>
         </p:txBody>
       </p:sp>
+      <p:sp>
+        <p:nvSpPr>
+          <p:cNvPr id="4" name="제목 1">
+            <a:extLst>
+              <a:ext uri="{FF2B5EF4-FFF2-40B4-BE49-F238E27FC236}">
+                <a16:creationId xmlns:a16="http://schemas.microsoft.com/office/drawing/2014/main" id="{A655B4BF-956F-491F-814E-2EB9B8E941EA}"/>
+              </a:ext>
+            </a:extLst>
+          </p:cNvPr>
+          <p:cNvSpPr txBox="1">
+            <a:spLocks/>
+          </p:cNvSpPr>
+          <p:nvPr/>
+        </p:nvSpPr>
+        <p:spPr>
+          <a:xfrm>
+            <a:off x="221821" y="1391404"/>
+            <a:ext cx="10515600" cy="1014496"/>
+          </a:xfrm>
+          <a:prstGeom prst="rect">
+            <a:avLst/>
+          </a:prstGeom>
+        </p:spPr>
+        <p:txBody>
+          <a:bodyPr/>
+          <a:lstStyle>
+            <a:lvl1pPr algn="l" defTabSz="914400" rtl="0" eaLnBrk="1" latinLnBrk="1" hangingPunct="1">
+              <a:lnSpc>
+                <a:spcPct val="90000"/>
+              </a:lnSpc>
+              <a:spcBef>
+                <a:spcPct val="0"/>
+              </a:spcBef>
+              <a:buNone/>
+              <a:defRPr sz="4400" kern="1200">
+                <a:solidFill>
+                  <a:schemeClr val="tx1"/>
+                </a:solidFill>
+                <a:latin typeface="+mj-lt"/>
+                <a:ea typeface="+mj-ea"/>
+                <a:cs typeface="+mj-cs"/>
+              </a:defRPr>
+            </a:lvl1pPr>
+          </a:lstStyle>
+          <a:p>
+            <a:r>
+              <a:rPr lang="en-US" altLang="ko-KR" dirty="0"/>
+              <a:t>-</a:t>
+            </a:r>
+            <a:r>
+              <a:rPr lang="ko-KR" altLang="en-US" sz="3000" dirty="0" err="1"/>
+              <a:t>딥러닝과</a:t>
+            </a:r>
+            <a:r>
+              <a:rPr lang="ko-KR" altLang="en-US" sz="3000" dirty="0"/>
+              <a:t> 강화학습</a:t>
+            </a:r>
+          </a:p>
+        </p:txBody>
+      </p:sp>
+      <p:sp>
+        <p:nvSpPr>
+          <p:cNvPr id="5" name="내용 개체 틀 2">
+            <a:extLst>
+              <a:ext uri="{FF2B5EF4-FFF2-40B4-BE49-F238E27FC236}">
+                <a16:creationId xmlns:a16="http://schemas.microsoft.com/office/drawing/2014/main" id="{397D5C45-7DD6-4B0F-A42D-D82775DFC76C}"/>
+              </a:ext>
+            </a:extLst>
+          </p:cNvPr>
+          <p:cNvSpPr txBox="1">
+            <a:spLocks/>
+          </p:cNvSpPr>
+          <p:nvPr/>
+        </p:nvSpPr>
+        <p:spPr>
+          <a:xfrm>
+            <a:off x="731518" y="1233487"/>
+            <a:ext cx="10515600" cy="5489575"/>
+          </a:xfrm>
+          <a:prstGeom prst="rect">
+            <a:avLst/>
+          </a:prstGeom>
+        </p:spPr>
+        <p:txBody>
+          <a:bodyPr>
+            <a:normAutofit/>
+          </a:bodyPr>
+          <a:lstStyle>
+            <a:lvl1pPr marL="228600" indent="-228600" algn="l" defTabSz="914400" rtl="0" eaLnBrk="1" latinLnBrk="1" hangingPunct="1">
+              <a:lnSpc>
+                <a:spcPct val="90000"/>
+              </a:lnSpc>
+              <a:spcBef>
+                <a:spcPts val="1000"/>
+              </a:spcBef>
+              <a:buFont typeface="Arial" panose="020B0604020202020204" pitchFamily="34" charset="0"/>
+              <a:buChar char="•"/>
+              <a:defRPr sz="2800" kern="1200">
+                <a:solidFill>
+                  <a:schemeClr val="tx1"/>
+                </a:solidFill>
+                <a:latin typeface="+mn-lt"/>
+                <a:ea typeface="+mn-ea"/>
+                <a:cs typeface="+mn-cs"/>
+              </a:defRPr>
+            </a:lvl1pPr>
+            <a:lvl2pPr marL="685800" indent="-228600" algn="l" defTabSz="914400" rtl="0" eaLnBrk="1" latinLnBrk="1" hangingPunct="1">
+              <a:lnSpc>
+                <a:spcPct val="90000"/>
+              </a:lnSpc>
+              <a:spcBef>
+                <a:spcPts val="500"/>
+              </a:spcBef>
+              <a:buFont typeface="Arial" panose="020B0604020202020204" pitchFamily="34" charset="0"/>
+              <a:buChar char="•"/>
+              <a:defRPr sz="2400" kern="1200">
+                <a:solidFill>
+                  <a:schemeClr val="tx1"/>
+                </a:solidFill>
+                <a:latin typeface="+mn-lt"/>
+                <a:ea typeface="+mn-ea"/>
+                <a:cs typeface="+mn-cs"/>
+              </a:defRPr>
+            </a:lvl2pPr>
+            <a:lvl3pPr marL="1143000" indent="-228600" algn="l" defTabSz="914400" rtl="0" eaLnBrk="1" latinLnBrk="1" hangingPunct="1">
+              <a:lnSpc>
+                <a:spcPct val="90000"/>
+              </a:lnSpc>
+              <a:spcBef>
+                <a:spcPts val="500"/>
+              </a:spcBef>
+              <a:buFont typeface="Arial" panose="020B0604020202020204" pitchFamily="34" charset="0"/>
+              <a:buChar char="•"/>
+              <a:defRPr sz="2000" kern="1200">
+                <a:solidFill>
+                  <a:schemeClr val="tx1"/>
+                </a:solidFill>
+                <a:latin typeface="+mn-lt"/>
+                <a:ea typeface="+mn-ea"/>
+                <a:cs typeface="+mn-cs"/>
+              </a:defRPr>
+            </a:lvl3pPr>
+            <a:lvl4pPr marL="1600200" indent="-228600" algn="l" defTabSz="914400" rtl="0" eaLnBrk="1" latinLnBrk="1" hangingPunct="1">
+              <a:lnSpc>
+                <a:spcPct val="90000"/>
+              </a:lnSpc>
+              <a:spcBef>
+                <a:spcPts val="500"/>
+              </a:spcBef>
+              <a:buFont typeface="Arial" panose="020B0604020202020204" pitchFamily="34" charset="0"/>
+              <a:buChar char="•"/>
+              <a:defRPr sz="1800" kern="1200">
+                <a:solidFill>
+                  <a:schemeClr val="tx1"/>
+                </a:solidFill>
+                <a:latin typeface="+mn-lt"/>
+                <a:ea typeface="+mn-ea"/>
+                <a:cs typeface="+mn-cs"/>
+              </a:defRPr>
+            </a:lvl4pPr>
+            <a:lvl5pPr marL="2057400" indent="-228600" algn="l" defTabSz="914400" rtl="0" eaLnBrk="1" latinLnBrk="1" hangingPunct="1">
+              <a:lnSpc>
+                <a:spcPct val="90000"/>
+              </a:lnSpc>
+              <a:spcBef>
+                <a:spcPts val="500"/>
+              </a:spcBef>
+              <a:buFont typeface="Arial" panose="020B0604020202020204" pitchFamily="34" charset="0"/>
+              <a:buChar char="•"/>
+              <a:defRPr sz="1800" kern="1200">
+                <a:solidFill>
+                  <a:schemeClr val="tx1"/>
+                </a:solidFill>
+                <a:latin typeface="+mn-lt"/>
+                <a:ea typeface="+mn-ea"/>
+                <a:cs typeface="+mn-cs"/>
+              </a:defRPr>
+            </a:lvl5pPr>
+            <a:lvl6pPr marL="2514600" indent="-228600" algn="l" defTabSz="914400" rtl="0" eaLnBrk="1" latinLnBrk="1" hangingPunct="1">
+              <a:lnSpc>
+                <a:spcPct val="90000"/>
+              </a:lnSpc>
+              <a:spcBef>
+                <a:spcPts val="500"/>
+              </a:spcBef>
+              <a:buFont typeface="Arial" panose="020B0604020202020204" pitchFamily="34" charset="0"/>
+              <a:buChar char="•"/>
+              <a:defRPr sz="1800" kern="1200">
+                <a:solidFill>
+                  <a:schemeClr val="tx1"/>
+                </a:solidFill>
+                <a:latin typeface="+mn-lt"/>
+                <a:ea typeface="+mn-ea"/>
+                <a:cs typeface="+mn-cs"/>
+              </a:defRPr>
+            </a:lvl6pPr>
+            <a:lvl7pPr marL="2971800" indent="-228600" algn="l" defTabSz="914400" rtl="0" eaLnBrk="1" latinLnBrk="1" hangingPunct="1">
+              <a:lnSpc>
+                <a:spcPct val="90000"/>
+              </a:lnSpc>
+              <a:spcBef>
+                <a:spcPts val="500"/>
+              </a:spcBef>
+              <a:buFont typeface="Arial" panose="020B0604020202020204" pitchFamily="34" charset="0"/>
+              <a:buChar char="•"/>
+              <a:defRPr sz="1800" kern="1200">
+                <a:solidFill>
+                  <a:schemeClr val="tx1"/>
+                </a:solidFill>
+                <a:latin typeface="+mn-lt"/>
+                <a:ea typeface="+mn-ea"/>
+                <a:cs typeface="+mn-cs"/>
+              </a:defRPr>
+            </a:lvl7pPr>
+            <a:lvl8pPr marL="3429000" indent="-228600" algn="l" defTabSz="914400" rtl="0" eaLnBrk="1" latinLnBrk="1" hangingPunct="1">
+              <a:lnSpc>
+                <a:spcPct val="90000"/>
+              </a:lnSpc>
+              <a:spcBef>
+                <a:spcPts val="500"/>
+              </a:spcBef>
+              <a:buFont typeface="Arial" panose="020B0604020202020204" pitchFamily="34" charset="0"/>
+              <a:buChar char="•"/>
+              <a:defRPr sz="1800" kern="1200">
+                <a:solidFill>
+                  <a:schemeClr val="tx1"/>
+                </a:solidFill>
+                <a:latin typeface="+mn-lt"/>
+                <a:ea typeface="+mn-ea"/>
+                <a:cs typeface="+mn-cs"/>
+              </a:defRPr>
+            </a:lvl8pPr>
+            <a:lvl9pPr marL="3886200" indent="-228600" algn="l" defTabSz="914400" rtl="0" eaLnBrk="1" latinLnBrk="1" hangingPunct="1">
+              <a:lnSpc>
+                <a:spcPct val="90000"/>
+              </a:lnSpc>
+              <a:spcBef>
+                <a:spcPts val="500"/>
+              </a:spcBef>
+              <a:buFont typeface="Arial" panose="020B0604020202020204" pitchFamily="34" charset="0"/>
+              <a:buChar char="•"/>
+              <a:defRPr sz="1800" kern="1200">
+                <a:solidFill>
+                  <a:schemeClr val="tx1"/>
+                </a:solidFill>
+                <a:latin typeface="+mn-lt"/>
+                <a:ea typeface="+mn-ea"/>
+                <a:cs typeface="+mn-cs"/>
+              </a:defRPr>
+            </a:lvl9pPr>
+          </a:lstStyle>
+          <a:p>
+            <a:endParaRPr lang="en-US" altLang="ko-KR" dirty="0"/>
+          </a:p>
+          <a:p>
+            <a:endParaRPr lang="en-US" altLang="ko-KR" dirty="0"/>
+          </a:p>
+          <a:p>
+            <a:endParaRPr lang="en-US" altLang="ko-KR" dirty="0"/>
+          </a:p>
+          <a:p>
+            <a:endParaRPr lang="en-US" altLang="ko-KR" dirty="0"/>
+          </a:p>
+          <a:p>
+            <a:endParaRPr lang="en-US" altLang="ko-KR" dirty="0"/>
+          </a:p>
+          <a:p>
+            <a:endParaRPr lang="en-US" altLang="ko-KR" dirty="0"/>
+          </a:p>
+          <a:p>
+            <a:endParaRPr lang="en-US" altLang="ko-KR" dirty="0"/>
+          </a:p>
+          <a:p>
+            <a:r>
+              <a:rPr lang="ko-KR" altLang="en-US" sz="2000" dirty="0"/>
+              <a:t>강아지가 앉아 있는 자세</a:t>
+            </a:r>
+            <a:r>
+              <a:rPr lang="en-US" altLang="ko-KR" sz="2000" dirty="0"/>
+              <a:t>. </a:t>
+            </a:r>
+            <a:r>
+              <a:rPr lang="ko-KR" altLang="en-US" sz="2000" dirty="0"/>
+              <a:t>서있는 자세 등의 행동들을 이미지별로 </a:t>
+            </a:r>
+            <a:r>
+              <a:rPr lang="en-US" altLang="ko-KR" sz="2000" dirty="0"/>
+              <a:t>1000</a:t>
+            </a:r>
+            <a:r>
+              <a:rPr lang="ko-KR" altLang="en-US" sz="2000" dirty="0"/>
+              <a:t>장씩 데이터를 </a:t>
+            </a:r>
+            <a:r>
+              <a:rPr lang="ko-KR" altLang="en-US" sz="2000" dirty="0" err="1"/>
+              <a:t>태깅</a:t>
+            </a:r>
+            <a:endParaRPr lang="en-US" altLang="ko-KR" sz="2000" dirty="0"/>
+          </a:p>
+          <a:p>
+            <a:r>
+              <a:rPr lang="ko-KR" altLang="en-US" sz="2000" dirty="0"/>
+              <a:t>딥러닝 기반의 </a:t>
+            </a:r>
+            <a:r>
+              <a:rPr lang="en-US" altLang="ko-KR" sz="2000" dirty="0"/>
+              <a:t>CNN</a:t>
+            </a:r>
+            <a:r>
+              <a:rPr lang="ko-KR" altLang="en-US" sz="2000" dirty="0"/>
+              <a:t>을 통해 자세별로의 특징을 잡아내는 과정</a:t>
+            </a:r>
+            <a:endParaRPr lang="en-US" altLang="ko-KR" sz="2000" dirty="0"/>
+          </a:p>
+          <a:p>
+            <a:r>
+              <a:rPr lang="en-US" altLang="ko-KR" sz="2000" dirty="0"/>
+              <a:t>80</a:t>
+            </a:r>
+            <a:r>
+              <a:rPr lang="ko-KR" altLang="en-US" sz="2000" dirty="0"/>
+              <a:t>시간시간의 학습 과정</a:t>
+            </a:r>
+            <a:endParaRPr lang="en-US" altLang="ko-KR" sz="2000" dirty="0"/>
+          </a:p>
+        </p:txBody>
+      </p:sp>
+      <p:sp>
+        <p:nvSpPr>
+          <p:cNvPr id="7" name="슬라이드 번호 개체 틀 3">
+            <a:extLst>
+              <a:ext uri="{FF2B5EF4-FFF2-40B4-BE49-F238E27FC236}">
+                <a16:creationId xmlns:a16="http://schemas.microsoft.com/office/drawing/2014/main" id="{97B7E211-4D5B-4F46-B6A1-0F6A6790DB7F}"/>
+              </a:ext>
+            </a:extLst>
+          </p:cNvPr>
+          <p:cNvSpPr txBox="1">
+            <a:spLocks/>
+          </p:cNvSpPr>
+          <p:nvPr/>
+        </p:nvSpPr>
+        <p:spPr>
+          <a:xfrm>
+            <a:off x="8610600" y="6356350"/>
+            <a:ext cx="2743200" cy="365125"/>
+          </a:xfrm>
+          <a:prstGeom prst="rect">
+            <a:avLst/>
+          </a:prstGeom>
+        </p:spPr>
+        <p:txBody>
+          <a:bodyPr/>
+          <a:lstStyle>
+            <a:defPPr>
+              <a:defRPr lang="ko-KR"/>
+            </a:defPPr>
+            <a:lvl1pPr marL="0" algn="l" defTabSz="914400" rtl="0" eaLnBrk="1" latinLnBrk="1" hangingPunct="1">
+              <a:defRPr sz="1800" kern="1200">
+                <a:solidFill>
+                  <a:schemeClr val="tx1"/>
+                </a:solidFill>
+                <a:latin typeface="+mn-lt"/>
+                <a:ea typeface="+mn-ea"/>
+                <a:cs typeface="+mn-cs"/>
+              </a:defRPr>
+            </a:lvl1pPr>
+            <a:lvl2pPr marL="457200" algn="l" defTabSz="914400" rtl="0" eaLnBrk="1" latinLnBrk="1" hangingPunct="1">
+              <a:defRPr sz="1800" kern="1200">
+                <a:solidFill>
+                  <a:schemeClr val="tx1"/>
+                </a:solidFill>
+                <a:latin typeface="+mn-lt"/>
+                <a:ea typeface="+mn-ea"/>
+                <a:cs typeface="+mn-cs"/>
+              </a:defRPr>
+            </a:lvl2pPr>
+            <a:lvl3pPr marL="914400" algn="l" defTabSz="914400" rtl="0" eaLnBrk="1" latinLnBrk="1" hangingPunct="1">
+              <a:defRPr sz="1800" kern="1200">
+                <a:solidFill>
+                  <a:schemeClr val="tx1"/>
+                </a:solidFill>
+                <a:latin typeface="+mn-lt"/>
+                <a:ea typeface="+mn-ea"/>
+                <a:cs typeface="+mn-cs"/>
+              </a:defRPr>
+            </a:lvl3pPr>
+            <a:lvl4pPr marL="1371600" algn="l" defTabSz="914400" rtl="0" eaLnBrk="1" latinLnBrk="1" hangingPunct="1">
+              <a:defRPr sz="1800" kern="1200">
+                <a:solidFill>
+                  <a:schemeClr val="tx1"/>
+                </a:solidFill>
+                <a:latin typeface="+mn-lt"/>
+                <a:ea typeface="+mn-ea"/>
+                <a:cs typeface="+mn-cs"/>
+              </a:defRPr>
+            </a:lvl4pPr>
+            <a:lvl5pPr marL="1828800" algn="l" defTabSz="914400" rtl="0" eaLnBrk="1" latinLnBrk="1" hangingPunct="1">
+              <a:defRPr sz="1800" kern="1200">
+                <a:solidFill>
+                  <a:schemeClr val="tx1"/>
+                </a:solidFill>
+                <a:latin typeface="+mn-lt"/>
+                <a:ea typeface="+mn-ea"/>
+                <a:cs typeface="+mn-cs"/>
+              </a:defRPr>
+            </a:lvl5pPr>
+            <a:lvl6pPr marL="2286000" algn="l" defTabSz="914400" rtl="0" eaLnBrk="1" latinLnBrk="1" hangingPunct="1">
+              <a:defRPr sz="1800" kern="1200">
+                <a:solidFill>
+                  <a:schemeClr val="tx1"/>
+                </a:solidFill>
+                <a:latin typeface="+mn-lt"/>
+                <a:ea typeface="+mn-ea"/>
+                <a:cs typeface="+mn-cs"/>
+              </a:defRPr>
+            </a:lvl6pPr>
+            <a:lvl7pPr marL="2743200" algn="l" defTabSz="914400" rtl="0" eaLnBrk="1" latinLnBrk="1" hangingPunct="1">
+              <a:defRPr sz="1800" kern="1200">
+                <a:solidFill>
+                  <a:schemeClr val="tx1"/>
+                </a:solidFill>
+                <a:latin typeface="+mn-lt"/>
+                <a:ea typeface="+mn-ea"/>
+                <a:cs typeface="+mn-cs"/>
+              </a:defRPr>
+            </a:lvl7pPr>
+            <a:lvl8pPr marL="3200400" algn="l" defTabSz="914400" rtl="0" eaLnBrk="1" latinLnBrk="1" hangingPunct="1">
+              <a:defRPr sz="1800" kern="1200">
+                <a:solidFill>
+                  <a:schemeClr val="tx1"/>
+                </a:solidFill>
+                <a:latin typeface="+mn-lt"/>
+                <a:ea typeface="+mn-ea"/>
+                <a:cs typeface="+mn-cs"/>
+              </a:defRPr>
+            </a:lvl8pPr>
+            <a:lvl9pPr marL="3657600" algn="l" defTabSz="914400" rtl="0" eaLnBrk="1" latinLnBrk="1" hangingPunct="1">
+              <a:defRPr sz="1800" kern="1200">
+                <a:solidFill>
+                  <a:schemeClr val="tx1"/>
+                </a:solidFill>
+                <a:latin typeface="+mn-lt"/>
+                <a:ea typeface="+mn-ea"/>
+                <a:cs typeface="+mn-cs"/>
+              </a:defRPr>
+            </a:lvl9pPr>
+          </a:lstStyle>
+          <a:p>
+            <a:fld id="{27FBB162-8746-42C9-BFFF-D75069B6786A}" type="slidenum">
+              <a:rPr lang="ko-KR" altLang="en-US" smtClean="0">
+                <a:solidFill>
+                  <a:prstClr val="black">
+                    <a:tint val="75000"/>
+                  </a:prstClr>
+                </a:solidFill>
+              </a:rPr>
+              <a:pPr/>
+              <a:t>10</a:t>
+            </a:fld>
+            <a:endParaRPr lang="ko-KR" altLang="en-US">
+              <a:solidFill>
+                <a:prstClr val="black">
+                  <a:tint val="75000"/>
+                </a:prstClr>
+              </a:solidFill>
+            </a:endParaRPr>
+          </a:p>
+        </p:txBody>
+      </p:sp>
+      <p:pic>
+        <p:nvPicPr>
+          <p:cNvPr id="8" name="_x420636344" descr="EMB00003fa044f8">
+            <a:extLst>
+              <a:ext uri="{FF2B5EF4-FFF2-40B4-BE49-F238E27FC236}">
+                <a16:creationId xmlns:a16="http://schemas.microsoft.com/office/drawing/2014/main" id="{D0CF57D6-9F7A-4B8B-B9D4-AF19E1B6F39B}"/>
+              </a:ext>
+            </a:extLst>
+          </p:cNvPr>
+          <p:cNvPicPr>
+            <a:picLocks noChangeAspect="1" noChangeArrowheads="1"/>
+          </p:cNvPicPr>
+          <p:nvPr/>
+        </p:nvPicPr>
+        <p:blipFill>
+          <a:blip r:embed="rId3">
+            <a:extLst>
+              <a:ext uri="{28A0092B-C50C-407E-A947-70E740481C1C}">
+                <a14:useLocalDpi xmlns:a14="http://schemas.microsoft.com/office/drawing/2010/main" val="0"/>
+              </a:ext>
+            </a:extLst>
+          </a:blip>
+          <a:srcRect/>
+          <a:stretch>
+            <a:fillRect/>
+          </a:stretch>
+        </p:blipFill>
+        <p:spPr bwMode="auto">
+          <a:xfrm>
+            <a:off x="731517" y="2071688"/>
+            <a:ext cx="10218501" cy="2702342"/>
+          </a:xfrm>
+          <a:prstGeom prst="rect">
+            <a:avLst/>
+          </a:prstGeom>
+          <a:noFill/>
+          <a:extLst>
+            <a:ext uri="{909E8E84-426E-40DD-AFC4-6F175D3DCCD1}">
+              <a14:hiddenFill xmlns:a14="http://schemas.microsoft.com/office/drawing/2010/main">
+                <a:solidFill>
+                  <a:srgbClr val="FFFFFF"/>
+                </a:solidFill>
+              </a14:hiddenFill>
+            </a:ext>
+          </a:extLst>
+        </p:spPr>
+      </p:pic>
     </p:spTree>
     <p:extLst>
       <p:ext uri="{BB962C8B-B14F-4D97-AF65-F5344CB8AC3E}">
@@ -6492,6 +7167,143 @@
           </a:p>
         </p:txBody>
       </p:sp>
+      <p:pic>
+        <p:nvPicPr>
+          <p:cNvPr id="4" name="_x420632264" descr="EMB00003fa04505">
+            <a:extLst>
+              <a:ext uri="{FF2B5EF4-FFF2-40B4-BE49-F238E27FC236}">
+                <a16:creationId xmlns:a16="http://schemas.microsoft.com/office/drawing/2014/main" id="{CFBB3469-ACB9-408C-A761-1C79E9550BEB}"/>
+              </a:ext>
+            </a:extLst>
+          </p:cNvPr>
+          <p:cNvPicPr>
+            <a:picLocks noChangeAspect="1" noChangeArrowheads="1"/>
+          </p:cNvPicPr>
+          <p:nvPr/>
+        </p:nvPicPr>
+        <p:blipFill>
+          <a:blip r:embed="rId3">
+            <a:extLst>
+              <a:ext uri="{28A0092B-C50C-407E-A947-70E740481C1C}">
+                <a14:useLocalDpi xmlns:a14="http://schemas.microsoft.com/office/drawing/2010/main" val="0"/>
+              </a:ext>
+            </a:extLst>
+          </a:blip>
+          <a:srcRect/>
+          <a:stretch>
+            <a:fillRect/>
+          </a:stretch>
+        </p:blipFill>
+        <p:spPr bwMode="auto">
+          <a:xfrm>
+            <a:off x="445232" y="1857843"/>
+            <a:ext cx="10911840" cy="3610927"/>
+          </a:xfrm>
+          <a:prstGeom prst="rect">
+            <a:avLst/>
+          </a:prstGeom>
+          <a:noFill/>
+          <a:extLst>
+            <a:ext uri="{909E8E84-426E-40DD-AFC4-6F175D3DCCD1}">
+              <a14:hiddenFill xmlns:a14="http://schemas.microsoft.com/office/drawing/2010/main">
+                <a:solidFill>
+                  <a:srgbClr val="FFFFFF"/>
+                </a:solidFill>
+              </a14:hiddenFill>
+            </a:ext>
+          </a:extLst>
+        </p:spPr>
+      </p:pic>
+      <p:sp>
+        <p:nvSpPr>
+          <p:cNvPr id="6" name="제목 1">
+            <a:extLst>
+              <a:ext uri="{FF2B5EF4-FFF2-40B4-BE49-F238E27FC236}">
+                <a16:creationId xmlns:a16="http://schemas.microsoft.com/office/drawing/2014/main" id="{DBCF69B8-1172-4D9D-B6E7-2ADB5843A386}"/>
+              </a:ext>
+            </a:extLst>
+          </p:cNvPr>
+          <p:cNvSpPr txBox="1">
+            <a:spLocks/>
+          </p:cNvSpPr>
+          <p:nvPr/>
+        </p:nvSpPr>
+        <p:spPr>
+          <a:xfrm>
+            <a:off x="300452" y="1389230"/>
+            <a:ext cx="10515600" cy="821991"/>
+          </a:xfrm>
+          <a:prstGeom prst="rect">
+            <a:avLst/>
+          </a:prstGeom>
+        </p:spPr>
+        <p:txBody>
+          <a:bodyPr/>
+          <a:lstStyle>
+            <a:lvl1pPr algn="l" defTabSz="914400" rtl="0" eaLnBrk="1" latinLnBrk="1" hangingPunct="1">
+              <a:lnSpc>
+                <a:spcPct val="90000"/>
+              </a:lnSpc>
+              <a:spcBef>
+                <a:spcPct val="0"/>
+              </a:spcBef>
+              <a:buNone/>
+              <a:defRPr sz="4400" kern="1200">
+                <a:solidFill>
+                  <a:schemeClr val="tx1"/>
+                </a:solidFill>
+                <a:latin typeface="+mj-lt"/>
+                <a:ea typeface="+mj-ea"/>
+                <a:cs typeface="+mj-cs"/>
+              </a:defRPr>
+            </a:lvl1pPr>
+          </a:lstStyle>
+          <a:p>
+            <a:r>
+              <a:rPr lang="en-US" altLang="ko-KR" sz="3000" dirty="0"/>
+              <a:t>-</a:t>
+            </a:r>
+            <a:r>
+              <a:rPr lang="ko-KR" altLang="en-US" sz="3000" dirty="0"/>
+              <a:t>딥러닝 정확도</a:t>
+            </a:r>
+          </a:p>
+        </p:txBody>
+      </p:sp>
+      <p:sp>
+        <p:nvSpPr>
+          <p:cNvPr id="3" name="직사각형 2">
+            <a:extLst>
+              <a:ext uri="{FF2B5EF4-FFF2-40B4-BE49-F238E27FC236}">
+                <a16:creationId xmlns:a16="http://schemas.microsoft.com/office/drawing/2014/main" id="{6C3E28ED-CE63-462C-91B0-85F11EC6D5D4}"/>
+              </a:ext>
+            </a:extLst>
+          </p:cNvPr>
+          <p:cNvSpPr/>
+          <p:nvPr/>
+        </p:nvSpPr>
+        <p:spPr>
+          <a:xfrm>
+            <a:off x="617836" y="5468770"/>
+            <a:ext cx="5478163" cy="477054"/>
+          </a:xfrm>
+          <a:prstGeom prst="rect">
+            <a:avLst/>
+          </a:prstGeom>
+        </p:spPr>
+        <p:txBody>
+          <a:bodyPr wrap="square">
+            <a:spAutoFit/>
+          </a:bodyPr>
+          <a:lstStyle/>
+          <a:p>
+            <a:r>
+              <a:rPr lang="ko-KR" altLang="en-US" sz="2500" dirty="0"/>
+              <a:t>학습 횟수에 따른 정확도 출력</a:t>
+            </a:r>
+          </a:p>
+        </p:txBody>
+      </p:sp>
     </p:spTree>
     <p:extLst>
       <p:ext uri="{BB962C8B-B14F-4D97-AF65-F5344CB8AC3E}">
@@ -6607,6 +7419,354 @@
           </a:p>
         </p:txBody>
       </p:sp>
+      <p:sp>
+        <p:nvSpPr>
+          <p:cNvPr id="6" name="제목 1">
+            <a:extLst>
+              <a:ext uri="{FF2B5EF4-FFF2-40B4-BE49-F238E27FC236}">
+                <a16:creationId xmlns:a16="http://schemas.microsoft.com/office/drawing/2014/main" id="{1FDE5660-0239-4B76-93E0-F89FB398DEF3}"/>
+              </a:ext>
+            </a:extLst>
+          </p:cNvPr>
+          <p:cNvSpPr txBox="1">
+            <a:spLocks/>
+          </p:cNvSpPr>
+          <p:nvPr/>
+        </p:nvSpPr>
+        <p:spPr>
+          <a:xfrm>
+            <a:off x="540172" y="1446558"/>
+            <a:ext cx="11567160" cy="857568"/>
+          </a:xfrm>
+          <a:prstGeom prst="rect">
+            <a:avLst/>
+          </a:prstGeom>
+        </p:spPr>
+        <p:txBody>
+          <a:bodyPr/>
+          <a:lstStyle>
+            <a:lvl1pPr algn="l" defTabSz="914400" rtl="0" eaLnBrk="1" latinLnBrk="1" hangingPunct="1">
+              <a:lnSpc>
+                <a:spcPct val="90000"/>
+              </a:lnSpc>
+              <a:spcBef>
+                <a:spcPct val="0"/>
+              </a:spcBef>
+              <a:buNone/>
+              <a:defRPr sz="4400" kern="1200">
+                <a:solidFill>
+                  <a:schemeClr val="tx1"/>
+                </a:solidFill>
+                <a:latin typeface="+mj-lt"/>
+                <a:ea typeface="+mj-ea"/>
+                <a:cs typeface="+mj-cs"/>
+              </a:defRPr>
+            </a:lvl1pPr>
+          </a:lstStyle>
+          <a:p>
+            <a:r>
+              <a:rPr lang="en-US" altLang="ko-KR" sz="3500" dirty="0"/>
+              <a:t>-</a:t>
+            </a:r>
+            <a:r>
+              <a:rPr lang="ko-KR" altLang="en-US" sz="3500" dirty="0"/>
+              <a:t>강화학습</a:t>
+            </a:r>
+          </a:p>
+        </p:txBody>
+      </p:sp>
+      <p:sp>
+        <p:nvSpPr>
+          <p:cNvPr id="7" name="내용 개체 틀 2">
+            <a:extLst>
+              <a:ext uri="{FF2B5EF4-FFF2-40B4-BE49-F238E27FC236}">
+                <a16:creationId xmlns:a16="http://schemas.microsoft.com/office/drawing/2014/main" id="{7F8B9474-BA7F-483B-A2FE-9CDBE4D4056B}"/>
+              </a:ext>
+            </a:extLst>
+          </p:cNvPr>
+          <p:cNvSpPr txBox="1">
+            <a:spLocks/>
+          </p:cNvSpPr>
+          <p:nvPr/>
+        </p:nvSpPr>
+        <p:spPr>
+          <a:xfrm>
+            <a:off x="838200" y="1222694"/>
+            <a:ext cx="10515600" cy="5270180"/>
+          </a:xfrm>
+          <a:prstGeom prst="rect">
+            <a:avLst/>
+          </a:prstGeom>
+        </p:spPr>
+        <p:txBody>
+          <a:bodyPr/>
+          <a:lstStyle>
+            <a:lvl1pPr marL="228600" indent="-228600" algn="l" defTabSz="914400" rtl="0" eaLnBrk="1" latinLnBrk="1" hangingPunct="1">
+              <a:lnSpc>
+                <a:spcPct val="90000"/>
+              </a:lnSpc>
+              <a:spcBef>
+                <a:spcPts val="1000"/>
+              </a:spcBef>
+              <a:buFont typeface="Arial" panose="020B0604020202020204" pitchFamily="34" charset="0"/>
+              <a:buChar char="•"/>
+              <a:defRPr sz="2800" kern="1200">
+                <a:solidFill>
+                  <a:schemeClr val="tx1"/>
+                </a:solidFill>
+                <a:latin typeface="+mn-lt"/>
+                <a:ea typeface="+mn-ea"/>
+                <a:cs typeface="+mn-cs"/>
+              </a:defRPr>
+            </a:lvl1pPr>
+            <a:lvl2pPr marL="685800" indent="-228600" algn="l" defTabSz="914400" rtl="0" eaLnBrk="1" latinLnBrk="1" hangingPunct="1">
+              <a:lnSpc>
+                <a:spcPct val="90000"/>
+              </a:lnSpc>
+              <a:spcBef>
+                <a:spcPts val="500"/>
+              </a:spcBef>
+              <a:buFont typeface="Arial" panose="020B0604020202020204" pitchFamily="34" charset="0"/>
+              <a:buChar char="•"/>
+              <a:defRPr sz="2400" kern="1200">
+                <a:solidFill>
+                  <a:schemeClr val="tx1"/>
+                </a:solidFill>
+                <a:latin typeface="+mn-lt"/>
+                <a:ea typeface="+mn-ea"/>
+                <a:cs typeface="+mn-cs"/>
+              </a:defRPr>
+            </a:lvl2pPr>
+            <a:lvl3pPr marL="1143000" indent="-228600" algn="l" defTabSz="914400" rtl="0" eaLnBrk="1" latinLnBrk="1" hangingPunct="1">
+              <a:lnSpc>
+                <a:spcPct val="90000"/>
+              </a:lnSpc>
+              <a:spcBef>
+                <a:spcPts val="500"/>
+              </a:spcBef>
+              <a:buFont typeface="Arial" panose="020B0604020202020204" pitchFamily="34" charset="0"/>
+              <a:buChar char="•"/>
+              <a:defRPr sz="2000" kern="1200">
+                <a:solidFill>
+                  <a:schemeClr val="tx1"/>
+                </a:solidFill>
+                <a:latin typeface="+mn-lt"/>
+                <a:ea typeface="+mn-ea"/>
+                <a:cs typeface="+mn-cs"/>
+              </a:defRPr>
+            </a:lvl3pPr>
+            <a:lvl4pPr marL="1600200" indent="-228600" algn="l" defTabSz="914400" rtl="0" eaLnBrk="1" latinLnBrk="1" hangingPunct="1">
+              <a:lnSpc>
+                <a:spcPct val="90000"/>
+              </a:lnSpc>
+              <a:spcBef>
+                <a:spcPts val="500"/>
+              </a:spcBef>
+              <a:buFont typeface="Arial" panose="020B0604020202020204" pitchFamily="34" charset="0"/>
+              <a:buChar char="•"/>
+              <a:defRPr sz="1800" kern="1200">
+                <a:solidFill>
+                  <a:schemeClr val="tx1"/>
+                </a:solidFill>
+                <a:latin typeface="+mn-lt"/>
+                <a:ea typeface="+mn-ea"/>
+                <a:cs typeface="+mn-cs"/>
+              </a:defRPr>
+            </a:lvl4pPr>
+            <a:lvl5pPr marL="2057400" indent="-228600" algn="l" defTabSz="914400" rtl="0" eaLnBrk="1" latinLnBrk="1" hangingPunct="1">
+              <a:lnSpc>
+                <a:spcPct val="90000"/>
+              </a:lnSpc>
+              <a:spcBef>
+                <a:spcPts val="500"/>
+              </a:spcBef>
+              <a:buFont typeface="Arial" panose="020B0604020202020204" pitchFamily="34" charset="0"/>
+              <a:buChar char="•"/>
+              <a:defRPr sz="1800" kern="1200">
+                <a:solidFill>
+                  <a:schemeClr val="tx1"/>
+                </a:solidFill>
+                <a:latin typeface="+mn-lt"/>
+                <a:ea typeface="+mn-ea"/>
+                <a:cs typeface="+mn-cs"/>
+              </a:defRPr>
+            </a:lvl5pPr>
+            <a:lvl6pPr marL="2514600" indent="-228600" algn="l" defTabSz="914400" rtl="0" eaLnBrk="1" latinLnBrk="1" hangingPunct="1">
+              <a:lnSpc>
+                <a:spcPct val="90000"/>
+              </a:lnSpc>
+              <a:spcBef>
+                <a:spcPts val="500"/>
+              </a:spcBef>
+              <a:buFont typeface="Arial" panose="020B0604020202020204" pitchFamily="34" charset="0"/>
+              <a:buChar char="•"/>
+              <a:defRPr sz="1800" kern="1200">
+                <a:solidFill>
+                  <a:schemeClr val="tx1"/>
+                </a:solidFill>
+                <a:latin typeface="+mn-lt"/>
+                <a:ea typeface="+mn-ea"/>
+                <a:cs typeface="+mn-cs"/>
+              </a:defRPr>
+            </a:lvl6pPr>
+            <a:lvl7pPr marL="2971800" indent="-228600" algn="l" defTabSz="914400" rtl="0" eaLnBrk="1" latinLnBrk="1" hangingPunct="1">
+              <a:lnSpc>
+                <a:spcPct val="90000"/>
+              </a:lnSpc>
+              <a:spcBef>
+                <a:spcPts val="500"/>
+              </a:spcBef>
+              <a:buFont typeface="Arial" panose="020B0604020202020204" pitchFamily="34" charset="0"/>
+              <a:buChar char="•"/>
+              <a:defRPr sz="1800" kern="1200">
+                <a:solidFill>
+                  <a:schemeClr val="tx1"/>
+                </a:solidFill>
+                <a:latin typeface="+mn-lt"/>
+                <a:ea typeface="+mn-ea"/>
+                <a:cs typeface="+mn-cs"/>
+              </a:defRPr>
+            </a:lvl7pPr>
+            <a:lvl8pPr marL="3429000" indent="-228600" algn="l" defTabSz="914400" rtl="0" eaLnBrk="1" latinLnBrk="1" hangingPunct="1">
+              <a:lnSpc>
+                <a:spcPct val="90000"/>
+              </a:lnSpc>
+              <a:spcBef>
+                <a:spcPts val="500"/>
+              </a:spcBef>
+              <a:buFont typeface="Arial" panose="020B0604020202020204" pitchFamily="34" charset="0"/>
+              <a:buChar char="•"/>
+              <a:defRPr sz="1800" kern="1200">
+                <a:solidFill>
+                  <a:schemeClr val="tx1"/>
+                </a:solidFill>
+                <a:latin typeface="+mn-lt"/>
+                <a:ea typeface="+mn-ea"/>
+                <a:cs typeface="+mn-cs"/>
+              </a:defRPr>
+            </a:lvl8pPr>
+            <a:lvl9pPr marL="3886200" indent="-228600" algn="l" defTabSz="914400" rtl="0" eaLnBrk="1" latinLnBrk="1" hangingPunct="1">
+              <a:lnSpc>
+                <a:spcPct val="90000"/>
+              </a:lnSpc>
+              <a:spcBef>
+                <a:spcPts val="500"/>
+              </a:spcBef>
+              <a:buFont typeface="Arial" panose="020B0604020202020204" pitchFamily="34" charset="0"/>
+              <a:buChar char="•"/>
+              <a:defRPr sz="1800" kern="1200">
+                <a:solidFill>
+                  <a:schemeClr val="tx1"/>
+                </a:solidFill>
+                <a:latin typeface="+mn-lt"/>
+                <a:ea typeface="+mn-ea"/>
+                <a:cs typeface="+mn-cs"/>
+              </a:defRPr>
+            </a:lvl9pPr>
+          </a:lstStyle>
+          <a:p>
+            <a:endParaRPr lang="en-US" altLang="ko-KR" dirty="0"/>
+          </a:p>
+          <a:p>
+            <a:endParaRPr lang="en-US" altLang="ko-KR" dirty="0"/>
+          </a:p>
+          <a:p>
+            <a:endParaRPr lang="en-US" altLang="ko-KR" dirty="0"/>
+          </a:p>
+          <a:p>
+            <a:endParaRPr lang="en-US" altLang="ko-KR" dirty="0"/>
+          </a:p>
+          <a:p>
+            <a:endParaRPr lang="en-US" altLang="ko-KR" dirty="0"/>
+          </a:p>
+          <a:p>
+            <a:endParaRPr lang="en-US" altLang="ko-KR" dirty="0"/>
+          </a:p>
+          <a:p>
+            <a:endParaRPr lang="en-US" altLang="ko-KR" sz="2300" dirty="0"/>
+          </a:p>
+          <a:p>
+            <a:r>
+              <a:rPr lang="ko-KR" altLang="en-US" sz="2300" dirty="0" err="1"/>
+              <a:t>머신러닝의</a:t>
+            </a:r>
+            <a:r>
+              <a:rPr lang="ko-KR" altLang="en-US" sz="2300" dirty="0"/>
+              <a:t> </a:t>
+            </a:r>
+            <a:r>
+              <a:rPr lang="ko-KR" altLang="en-US" sz="2300" dirty="0" err="1"/>
+              <a:t>기법중</a:t>
+            </a:r>
+            <a:r>
+              <a:rPr lang="ko-KR" altLang="en-US" sz="2300" dirty="0"/>
+              <a:t> 하나인 강화학습을 이용하여 반려견의 행동 특정화</a:t>
+            </a:r>
+            <a:endParaRPr lang="en-US" altLang="ko-KR" sz="2300" dirty="0"/>
+          </a:p>
+          <a:p>
+            <a:r>
+              <a:rPr lang="ko-KR" altLang="en-US" sz="2300" dirty="0"/>
+              <a:t>반려견이 행동이 하는 과정을 </a:t>
+            </a:r>
+            <a:r>
+              <a:rPr lang="en-US" altLang="ko-KR" sz="2300" dirty="0"/>
+              <a:t>CNN</a:t>
+            </a:r>
+            <a:r>
+              <a:rPr lang="ko-KR" altLang="en-US" sz="2300" dirty="0"/>
+              <a:t>을 통해 분석된 자세들을 이용하여 반복적으로 행동을 분류</a:t>
+            </a:r>
+          </a:p>
+        </p:txBody>
+      </p:sp>
+      <p:pic>
+        <p:nvPicPr>
+          <p:cNvPr id="8" name="_x417024856" descr="EMB00003fa04514">
+            <a:extLst>
+              <a:ext uri="{FF2B5EF4-FFF2-40B4-BE49-F238E27FC236}">
+                <a16:creationId xmlns:a16="http://schemas.microsoft.com/office/drawing/2014/main" id="{14131564-6147-4B10-ABDE-576CC2137BF0}"/>
+              </a:ext>
+            </a:extLst>
+          </p:cNvPr>
+          <p:cNvPicPr>
+            <a:picLocks noChangeAspect="1" noChangeArrowheads="1"/>
+          </p:cNvPicPr>
+          <p:nvPr/>
+        </p:nvPicPr>
+        <p:blipFill>
+          <a:blip r:embed="rId3">
+            <a:extLst>
+              <a:ext uri="{28A0092B-C50C-407E-A947-70E740481C1C}">
+                <a14:useLocalDpi xmlns:a14="http://schemas.microsoft.com/office/drawing/2010/main" val="0"/>
+              </a:ext>
+            </a:extLst>
+          </a:blip>
+          <a:srcRect/>
+          <a:stretch>
+            <a:fillRect/>
+          </a:stretch>
+        </p:blipFill>
+        <p:spPr bwMode="auto">
+          <a:xfrm>
+            <a:off x="797984" y="2014538"/>
+            <a:ext cx="10515600" cy="2539335"/>
+          </a:xfrm>
+          <a:prstGeom prst="rect">
+            <a:avLst/>
+          </a:prstGeom>
+          <a:noFill/>
+          <a:extLst>
+            <a:ext uri="{909E8E84-426E-40DD-AFC4-6F175D3DCCD1}">
+              <a14:hiddenFill xmlns:a14="http://schemas.microsoft.com/office/drawing/2010/main">
+                <a:solidFill>
+                  <a:srgbClr val="FFFFFF"/>
+                </a:solidFill>
+              </a14:hiddenFill>
+            </a:ext>
+          </a:extLst>
+        </p:spPr>
+      </p:pic>
     </p:spTree>
     <p:extLst>
       <p:ext uri="{BB962C8B-B14F-4D97-AF65-F5344CB8AC3E}">
@@ -6722,6 +7882,386 @@
           </a:p>
         </p:txBody>
       </p:sp>
+      <p:sp>
+        <p:nvSpPr>
+          <p:cNvPr id="4" name="제목 1">
+            <a:extLst>
+              <a:ext uri="{FF2B5EF4-FFF2-40B4-BE49-F238E27FC236}">
+                <a16:creationId xmlns:a16="http://schemas.microsoft.com/office/drawing/2014/main" id="{48664D75-BDA1-462E-B4A9-259D4775B6CB}"/>
+              </a:ext>
+            </a:extLst>
+          </p:cNvPr>
+          <p:cNvSpPr txBox="1">
+            <a:spLocks/>
+          </p:cNvSpPr>
+          <p:nvPr/>
+        </p:nvSpPr>
+        <p:spPr>
+          <a:xfrm>
+            <a:off x="300452" y="1315943"/>
+            <a:ext cx="10515600" cy="679005"/>
+          </a:xfrm>
+          <a:prstGeom prst="rect">
+            <a:avLst/>
+          </a:prstGeom>
+        </p:spPr>
+        <p:txBody>
+          <a:bodyPr/>
+          <a:lstStyle>
+            <a:lvl1pPr algn="l" defTabSz="914400" rtl="0" eaLnBrk="1" latinLnBrk="1" hangingPunct="1">
+              <a:lnSpc>
+                <a:spcPct val="90000"/>
+              </a:lnSpc>
+              <a:spcBef>
+                <a:spcPct val="0"/>
+              </a:spcBef>
+              <a:buNone/>
+              <a:defRPr sz="4400" kern="1200">
+                <a:solidFill>
+                  <a:schemeClr val="tx1"/>
+                </a:solidFill>
+                <a:latin typeface="+mj-lt"/>
+                <a:ea typeface="+mj-ea"/>
+                <a:cs typeface="+mj-cs"/>
+              </a:defRPr>
+            </a:lvl1pPr>
+          </a:lstStyle>
+          <a:p>
+            <a:r>
+              <a:rPr lang="en-US" altLang="ko-KR" sz="3500" dirty="0"/>
+              <a:t>-</a:t>
+            </a:r>
+            <a:r>
+              <a:rPr lang="ko-KR" altLang="en-US" sz="3500" dirty="0"/>
+              <a:t>학습 결과</a:t>
+            </a:r>
+          </a:p>
+        </p:txBody>
+      </p:sp>
+      <p:sp>
+        <p:nvSpPr>
+          <p:cNvPr id="6" name="내용 개체 틀 2">
+            <a:extLst>
+              <a:ext uri="{FF2B5EF4-FFF2-40B4-BE49-F238E27FC236}">
+                <a16:creationId xmlns:a16="http://schemas.microsoft.com/office/drawing/2014/main" id="{6A14E661-BACD-45E4-BE1B-1168270BD7B1}"/>
+              </a:ext>
+            </a:extLst>
+          </p:cNvPr>
+          <p:cNvSpPr txBox="1">
+            <a:spLocks/>
+          </p:cNvSpPr>
+          <p:nvPr/>
+        </p:nvSpPr>
+        <p:spPr>
+          <a:xfrm>
+            <a:off x="395288" y="2241034"/>
+            <a:ext cx="10515600" cy="4202846"/>
+          </a:xfrm>
+          <a:prstGeom prst="rect">
+            <a:avLst/>
+          </a:prstGeom>
+        </p:spPr>
+        <p:txBody>
+          <a:bodyPr/>
+          <a:lstStyle>
+            <a:lvl1pPr marL="228600" indent="-228600" algn="l" defTabSz="914400" rtl="0" eaLnBrk="1" latinLnBrk="1" hangingPunct="1">
+              <a:lnSpc>
+                <a:spcPct val="90000"/>
+              </a:lnSpc>
+              <a:spcBef>
+                <a:spcPts val="1000"/>
+              </a:spcBef>
+              <a:buFont typeface="Arial" panose="020B0604020202020204" pitchFamily="34" charset="0"/>
+              <a:buChar char="•"/>
+              <a:defRPr sz="2800" kern="1200">
+                <a:solidFill>
+                  <a:schemeClr val="tx1"/>
+                </a:solidFill>
+                <a:latin typeface="+mn-lt"/>
+                <a:ea typeface="+mn-ea"/>
+                <a:cs typeface="+mn-cs"/>
+              </a:defRPr>
+            </a:lvl1pPr>
+            <a:lvl2pPr marL="685800" indent="-228600" algn="l" defTabSz="914400" rtl="0" eaLnBrk="1" latinLnBrk="1" hangingPunct="1">
+              <a:lnSpc>
+                <a:spcPct val="90000"/>
+              </a:lnSpc>
+              <a:spcBef>
+                <a:spcPts val="500"/>
+              </a:spcBef>
+              <a:buFont typeface="Arial" panose="020B0604020202020204" pitchFamily="34" charset="0"/>
+              <a:buChar char="•"/>
+              <a:defRPr sz="2400" kern="1200">
+                <a:solidFill>
+                  <a:schemeClr val="tx1"/>
+                </a:solidFill>
+                <a:latin typeface="+mn-lt"/>
+                <a:ea typeface="+mn-ea"/>
+                <a:cs typeface="+mn-cs"/>
+              </a:defRPr>
+            </a:lvl2pPr>
+            <a:lvl3pPr marL="1143000" indent="-228600" algn="l" defTabSz="914400" rtl="0" eaLnBrk="1" latinLnBrk="1" hangingPunct="1">
+              <a:lnSpc>
+                <a:spcPct val="90000"/>
+              </a:lnSpc>
+              <a:spcBef>
+                <a:spcPts val="500"/>
+              </a:spcBef>
+              <a:buFont typeface="Arial" panose="020B0604020202020204" pitchFamily="34" charset="0"/>
+              <a:buChar char="•"/>
+              <a:defRPr sz="2000" kern="1200">
+                <a:solidFill>
+                  <a:schemeClr val="tx1"/>
+                </a:solidFill>
+                <a:latin typeface="+mn-lt"/>
+                <a:ea typeface="+mn-ea"/>
+                <a:cs typeface="+mn-cs"/>
+              </a:defRPr>
+            </a:lvl3pPr>
+            <a:lvl4pPr marL="1600200" indent="-228600" algn="l" defTabSz="914400" rtl="0" eaLnBrk="1" latinLnBrk="1" hangingPunct="1">
+              <a:lnSpc>
+                <a:spcPct val="90000"/>
+              </a:lnSpc>
+              <a:spcBef>
+                <a:spcPts val="500"/>
+              </a:spcBef>
+              <a:buFont typeface="Arial" panose="020B0604020202020204" pitchFamily="34" charset="0"/>
+              <a:buChar char="•"/>
+              <a:defRPr sz="1800" kern="1200">
+                <a:solidFill>
+                  <a:schemeClr val="tx1"/>
+                </a:solidFill>
+                <a:latin typeface="+mn-lt"/>
+                <a:ea typeface="+mn-ea"/>
+                <a:cs typeface="+mn-cs"/>
+              </a:defRPr>
+            </a:lvl4pPr>
+            <a:lvl5pPr marL="2057400" indent="-228600" algn="l" defTabSz="914400" rtl="0" eaLnBrk="1" latinLnBrk="1" hangingPunct="1">
+              <a:lnSpc>
+                <a:spcPct val="90000"/>
+              </a:lnSpc>
+              <a:spcBef>
+                <a:spcPts val="500"/>
+              </a:spcBef>
+              <a:buFont typeface="Arial" panose="020B0604020202020204" pitchFamily="34" charset="0"/>
+              <a:buChar char="•"/>
+              <a:defRPr sz="1800" kern="1200">
+                <a:solidFill>
+                  <a:schemeClr val="tx1"/>
+                </a:solidFill>
+                <a:latin typeface="+mn-lt"/>
+                <a:ea typeface="+mn-ea"/>
+                <a:cs typeface="+mn-cs"/>
+              </a:defRPr>
+            </a:lvl5pPr>
+            <a:lvl6pPr marL="2514600" indent="-228600" algn="l" defTabSz="914400" rtl="0" eaLnBrk="1" latinLnBrk="1" hangingPunct="1">
+              <a:lnSpc>
+                <a:spcPct val="90000"/>
+              </a:lnSpc>
+              <a:spcBef>
+                <a:spcPts val="500"/>
+              </a:spcBef>
+              <a:buFont typeface="Arial" panose="020B0604020202020204" pitchFamily="34" charset="0"/>
+              <a:buChar char="•"/>
+              <a:defRPr sz="1800" kern="1200">
+                <a:solidFill>
+                  <a:schemeClr val="tx1"/>
+                </a:solidFill>
+                <a:latin typeface="+mn-lt"/>
+                <a:ea typeface="+mn-ea"/>
+                <a:cs typeface="+mn-cs"/>
+              </a:defRPr>
+            </a:lvl6pPr>
+            <a:lvl7pPr marL="2971800" indent="-228600" algn="l" defTabSz="914400" rtl="0" eaLnBrk="1" latinLnBrk="1" hangingPunct="1">
+              <a:lnSpc>
+                <a:spcPct val="90000"/>
+              </a:lnSpc>
+              <a:spcBef>
+                <a:spcPts val="500"/>
+              </a:spcBef>
+              <a:buFont typeface="Arial" panose="020B0604020202020204" pitchFamily="34" charset="0"/>
+              <a:buChar char="•"/>
+              <a:defRPr sz="1800" kern="1200">
+                <a:solidFill>
+                  <a:schemeClr val="tx1"/>
+                </a:solidFill>
+                <a:latin typeface="+mn-lt"/>
+                <a:ea typeface="+mn-ea"/>
+                <a:cs typeface="+mn-cs"/>
+              </a:defRPr>
+            </a:lvl7pPr>
+            <a:lvl8pPr marL="3429000" indent="-228600" algn="l" defTabSz="914400" rtl="0" eaLnBrk="1" latinLnBrk="1" hangingPunct="1">
+              <a:lnSpc>
+                <a:spcPct val="90000"/>
+              </a:lnSpc>
+              <a:spcBef>
+                <a:spcPts val="500"/>
+              </a:spcBef>
+              <a:buFont typeface="Arial" panose="020B0604020202020204" pitchFamily="34" charset="0"/>
+              <a:buChar char="•"/>
+              <a:defRPr sz="1800" kern="1200">
+                <a:solidFill>
+                  <a:schemeClr val="tx1"/>
+                </a:solidFill>
+                <a:latin typeface="+mn-lt"/>
+                <a:ea typeface="+mn-ea"/>
+                <a:cs typeface="+mn-cs"/>
+              </a:defRPr>
+            </a:lvl8pPr>
+            <a:lvl9pPr marL="3886200" indent="-228600" algn="l" defTabSz="914400" rtl="0" eaLnBrk="1" latinLnBrk="1" hangingPunct="1">
+              <a:lnSpc>
+                <a:spcPct val="90000"/>
+              </a:lnSpc>
+              <a:spcBef>
+                <a:spcPts val="500"/>
+              </a:spcBef>
+              <a:buFont typeface="Arial" panose="020B0604020202020204" pitchFamily="34" charset="0"/>
+              <a:buChar char="•"/>
+              <a:defRPr sz="1800" kern="1200">
+                <a:solidFill>
+                  <a:schemeClr val="tx1"/>
+                </a:solidFill>
+                <a:latin typeface="+mn-lt"/>
+                <a:ea typeface="+mn-ea"/>
+                <a:cs typeface="+mn-cs"/>
+              </a:defRPr>
+            </a:lvl9pPr>
+          </a:lstStyle>
+          <a:p>
+            <a:endParaRPr lang="en-US" altLang="ko-KR" dirty="0"/>
+          </a:p>
+          <a:p>
+            <a:endParaRPr lang="en-US" altLang="ko-KR" dirty="0"/>
+          </a:p>
+          <a:p>
+            <a:endParaRPr lang="en-US" altLang="ko-KR" dirty="0"/>
+          </a:p>
+          <a:p>
+            <a:endParaRPr lang="en-US" altLang="ko-KR" dirty="0"/>
+          </a:p>
+          <a:p>
+            <a:pPr marL="0" indent="0">
+              <a:buNone/>
+            </a:pPr>
+            <a:endParaRPr lang="en-US" altLang="ko-KR" dirty="0"/>
+          </a:p>
+          <a:p>
+            <a:r>
+              <a:rPr lang="ko-KR" altLang="en-US" dirty="0" err="1"/>
+              <a:t>머신러닝을</a:t>
+            </a:r>
+            <a:r>
+              <a:rPr lang="ko-KR" altLang="en-US" dirty="0"/>
+              <a:t> 통해 행동이 학습된 결과</a:t>
+            </a:r>
+            <a:endParaRPr lang="en-US" altLang="ko-KR" dirty="0"/>
+          </a:p>
+          <a:p>
+            <a:r>
+              <a:rPr lang="ko-KR" altLang="en-US" dirty="0"/>
+              <a:t>카메라를 통해 누워있는 자세</a:t>
+            </a:r>
+            <a:r>
+              <a:rPr lang="en-US" altLang="ko-KR" dirty="0"/>
+              <a:t>, </a:t>
+            </a:r>
+            <a:r>
+              <a:rPr lang="ko-KR" altLang="en-US" dirty="0"/>
+              <a:t>서있는 자세 등의 행동을 파악가능</a:t>
+            </a:r>
+          </a:p>
+        </p:txBody>
+      </p:sp>
+      <p:pic>
+        <p:nvPicPr>
+          <p:cNvPr id="7" name="_x417397208" descr="EMB00003fa0452b">
+            <a:extLst>
+              <a:ext uri="{FF2B5EF4-FFF2-40B4-BE49-F238E27FC236}">
+                <a16:creationId xmlns:a16="http://schemas.microsoft.com/office/drawing/2014/main" id="{AA6A30F1-FD42-4FFE-9540-D033278D26A9}"/>
+              </a:ext>
+            </a:extLst>
+          </p:cNvPr>
+          <p:cNvPicPr>
+            <a:picLocks noChangeAspect="1" noChangeArrowheads="1"/>
+          </p:cNvPicPr>
+          <p:nvPr/>
+        </p:nvPicPr>
+        <p:blipFill rotWithShape="1">
+          <a:blip r:embed="rId3">
+            <a:extLst>
+              <a:ext uri="{28A0092B-C50C-407E-A947-70E740481C1C}">
+                <a14:useLocalDpi xmlns:a14="http://schemas.microsoft.com/office/drawing/2010/main" val="0"/>
+              </a:ext>
+            </a:extLst>
+          </a:blip>
+          <a:srcRect l="13905" t="13063" r="19415" b="13980"/>
+          <a:stretch/>
+        </p:blipFill>
+        <p:spPr bwMode="auto">
+          <a:xfrm>
+            <a:off x="395288" y="1957388"/>
+            <a:ext cx="5257800" cy="2713888"/>
+          </a:xfrm>
+          <a:prstGeom prst="rect">
+            <a:avLst/>
+          </a:prstGeom>
+          <a:noFill/>
+          <a:extLst>
+            <a:ext uri="{909E8E84-426E-40DD-AFC4-6F175D3DCCD1}">
+              <a14:hiddenFill xmlns:a14="http://schemas.microsoft.com/office/drawing/2010/main">
+                <a:solidFill>
+                  <a:srgbClr val="FFFFFF"/>
+                </a:solidFill>
+              </a14:hiddenFill>
+            </a:ext>
+          </a:extLst>
+        </p:spPr>
+      </p:pic>
+      <p:pic>
+        <p:nvPicPr>
+          <p:cNvPr id="8" name="_x420636104" descr="EMB00003fa04534">
+            <a:extLst>
+              <a:ext uri="{FF2B5EF4-FFF2-40B4-BE49-F238E27FC236}">
+                <a16:creationId xmlns:a16="http://schemas.microsoft.com/office/drawing/2014/main" id="{BE5FBC9D-DCDD-48BF-8DD2-1F3236EE1A67}"/>
+              </a:ext>
+            </a:extLst>
+          </p:cNvPr>
+          <p:cNvPicPr>
+            <a:picLocks noChangeAspect="1" noChangeArrowheads="1"/>
+          </p:cNvPicPr>
+          <p:nvPr/>
+        </p:nvPicPr>
+        <p:blipFill rotWithShape="1">
+          <a:blip r:embed="rId4">
+            <a:extLst>
+              <a:ext uri="{28A0092B-C50C-407E-A947-70E740481C1C}">
+                <a14:useLocalDpi xmlns:a14="http://schemas.microsoft.com/office/drawing/2010/main" val="0"/>
+              </a:ext>
+            </a:extLst>
+          </a:blip>
+          <a:srcRect r="12373" b="14867"/>
+          <a:stretch/>
+        </p:blipFill>
+        <p:spPr bwMode="auto">
+          <a:xfrm>
+            <a:off x="5653088" y="1994948"/>
+            <a:ext cx="5285093" cy="2713887"/>
+          </a:xfrm>
+          <a:prstGeom prst="rect">
+            <a:avLst/>
+          </a:prstGeom>
+          <a:noFill/>
+          <a:extLst>
+            <a:ext uri="{909E8E84-426E-40DD-AFC4-6F175D3DCCD1}">
+              <a14:hiddenFill xmlns:a14="http://schemas.microsoft.com/office/drawing/2010/main">
+                <a:solidFill>
+                  <a:srgbClr val="FFFFFF"/>
+                </a:solidFill>
+              </a14:hiddenFill>
+            </a:ext>
+          </a:extLst>
+        </p:spPr>
+      </p:pic>
     </p:spTree>
     <p:extLst>
       <p:ext uri="{BB962C8B-B14F-4D97-AF65-F5344CB8AC3E}">

--- a/Report/특허경진대회/특허경진대회 발표 PPT - 개가천선.pptx
+++ b/Report/특허경진대회/특허경진대회 발표 PPT - 개가천선.pptx
@@ -6529,10 +6529,16 @@
           <a:lstStyle/>
           <a:p>
             <a:r>
-              <a:rPr lang="en-US" altLang="ko-KR" dirty="0"/>
+              <a:rPr lang="en-US" altLang="ko-KR" dirty="0">
+                <a:latin typeface="맑은 고딕" panose="020B0503020000020004" pitchFamily="50" charset="-127"/>
+                <a:ea typeface="맑은 고딕" panose="020B0503020000020004" pitchFamily="50" charset="-127"/>
+              </a:rPr>
               <a:t>10</a:t>
             </a:r>
-            <a:endParaRPr lang="ko-KR" altLang="en-US" dirty="0"/>
+            <a:endParaRPr lang="ko-KR" altLang="en-US" dirty="0">
+              <a:latin typeface="맑은 고딕" panose="020B0503020000020004" pitchFamily="50" charset="-127"/>
+              <a:ea typeface="맑은 고딕" panose="020B0503020000020004" pitchFamily="50" charset="-127"/>
+            </a:endParaRPr>
           </a:p>
         </p:txBody>
       </p:sp>
@@ -6552,8 +6558,8 @@
         </p:nvSpPr>
         <p:spPr>
           <a:xfrm>
-            <a:off x="221821" y="1391404"/>
-            <a:ext cx="10515600" cy="1014496"/>
+            <a:off x="186651" y="1477922"/>
+            <a:ext cx="3588179" cy="507248"/>
           </a:xfrm>
           <a:prstGeom prst="rect">
             <a:avLst/>
@@ -6582,15 +6588,24 @@
           </a:lstStyle>
           <a:p>
             <a:r>
-              <a:rPr lang="en-US" altLang="ko-KR" dirty="0"/>
-              <a:t>-</a:t>
-            </a:r>
-            <a:r>
-              <a:rPr lang="ko-KR" altLang="en-US" sz="3000" dirty="0" err="1"/>
+              <a:rPr lang="en-US" altLang="ko-KR" sz="2800" b="1" dirty="0">
+                <a:latin typeface="맑은 고딕" panose="020B0503020000020004" pitchFamily="50" charset="-127"/>
+                <a:ea typeface="맑은 고딕" panose="020B0503020000020004" pitchFamily="50" charset="-127"/>
+              </a:rPr>
+              <a:t>- </a:t>
+            </a:r>
+            <a:r>
+              <a:rPr lang="ko-KR" altLang="en-US" sz="2800" b="1" dirty="0" err="1">
+                <a:latin typeface="맑은 고딕" panose="020B0503020000020004" pitchFamily="50" charset="-127"/>
+                <a:ea typeface="맑은 고딕" panose="020B0503020000020004" pitchFamily="50" charset="-127"/>
+              </a:rPr>
               <a:t>딥러닝과</a:t>
             </a:r>
             <a:r>
-              <a:rPr lang="ko-KR" altLang="en-US" sz="3000" dirty="0"/>
+              <a:rPr lang="ko-KR" altLang="en-US" sz="2800" b="1" dirty="0">
+                <a:latin typeface="맑은 고딕" panose="020B0503020000020004" pitchFamily="50" charset="-127"/>
+                <a:ea typeface="맑은 고딕" panose="020B0503020000020004" pitchFamily="50" charset="-127"/>
+              </a:rPr>
               <a:t> 강화학습</a:t>
             </a:r>
           </a:p>
@@ -6612,8 +6627,8 @@
         </p:nvSpPr>
         <p:spPr>
           <a:xfrm>
-            <a:off x="731518" y="1233487"/>
-            <a:ext cx="10515600" cy="5489575"/>
+            <a:off x="731517" y="1233487"/>
+            <a:ext cx="10728965" cy="5489575"/>
           </a:xfrm>
           <a:prstGeom prst="rect">
             <a:avLst/>
@@ -6788,78 +6803,164 @@
             </a:lvl9pPr>
           </a:lstStyle>
           <a:p>
-            <a:endParaRPr lang="en-US" altLang="ko-KR" dirty="0"/>
-          </a:p>
-          <a:p>
-            <a:endParaRPr lang="en-US" altLang="ko-KR" dirty="0"/>
-          </a:p>
-          <a:p>
-            <a:endParaRPr lang="en-US" altLang="ko-KR" dirty="0"/>
-          </a:p>
-          <a:p>
-            <a:endParaRPr lang="en-US" altLang="ko-KR" dirty="0"/>
-          </a:p>
-          <a:p>
-            <a:endParaRPr lang="en-US" altLang="ko-KR" dirty="0"/>
-          </a:p>
-          <a:p>
-            <a:endParaRPr lang="en-US" altLang="ko-KR" dirty="0"/>
-          </a:p>
-          <a:p>
-            <a:endParaRPr lang="en-US" altLang="ko-KR" dirty="0"/>
-          </a:p>
-          <a:p>
-            <a:r>
-              <a:rPr lang="ko-KR" altLang="en-US" sz="2000" dirty="0"/>
+            <a:endParaRPr lang="en-US" altLang="ko-KR" dirty="0">
+              <a:latin typeface="맑은 고딕" panose="020B0503020000020004" pitchFamily="50" charset="-127"/>
+              <a:ea typeface="맑은 고딕" panose="020B0503020000020004" pitchFamily="50" charset="-127"/>
+            </a:endParaRPr>
+          </a:p>
+          <a:p>
+            <a:endParaRPr lang="en-US" altLang="ko-KR" dirty="0">
+              <a:latin typeface="맑은 고딕" panose="020B0503020000020004" pitchFamily="50" charset="-127"/>
+              <a:ea typeface="맑은 고딕" panose="020B0503020000020004" pitchFamily="50" charset="-127"/>
+            </a:endParaRPr>
+          </a:p>
+          <a:p>
+            <a:endParaRPr lang="en-US" altLang="ko-KR" dirty="0">
+              <a:latin typeface="맑은 고딕" panose="020B0503020000020004" pitchFamily="50" charset="-127"/>
+              <a:ea typeface="맑은 고딕" panose="020B0503020000020004" pitchFamily="50" charset="-127"/>
+            </a:endParaRPr>
+          </a:p>
+          <a:p>
+            <a:endParaRPr lang="en-US" altLang="ko-KR" dirty="0">
+              <a:latin typeface="맑은 고딕" panose="020B0503020000020004" pitchFamily="50" charset="-127"/>
+              <a:ea typeface="맑은 고딕" panose="020B0503020000020004" pitchFamily="50" charset="-127"/>
+            </a:endParaRPr>
+          </a:p>
+          <a:p>
+            <a:endParaRPr lang="en-US" altLang="ko-KR" dirty="0">
+              <a:latin typeface="맑은 고딕" panose="020B0503020000020004" pitchFamily="50" charset="-127"/>
+              <a:ea typeface="맑은 고딕" panose="020B0503020000020004" pitchFamily="50" charset="-127"/>
+            </a:endParaRPr>
+          </a:p>
+          <a:p>
+            <a:endParaRPr lang="en-US" altLang="ko-KR" dirty="0">
+              <a:latin typeface="맑은 고딕" panose="020B0503020000020004" pitchFamily="50" charset="-127"/>
+              <a:ea typeface="맑은 고딕" panose="020B0503020000020004" pitchFamily="50" charset="-127"/>
+            </a:endParaRPr>
+          </a:p>
+          <a:p>
+            <a:endParaRPr lang="en-US" altLang="ko-KR" dirty="0">
+              <a:latin typeface="맑은 고딕" panose="020B0503020000020004" pitchFamily="50" charset="-127"/>
+              <a:ea typeface="맑은 고딕" panose="020B0503020000020004" pitchFamily="50" charset="-127"/>
+            </a:endParaRPr>
+          </a:p>
+          <a:p>
+            <a:pPr marL="0" indent="0">
+              <a:buNone/>
+            </a:pPr>
+            <a:r>
+              <a:rPr lang="en-US" altLang="ko-KR" sz="2000" dirty="0">
+                <a:latin typeface="맑은 고딕" panose="020B0503020000020004" pitchFamily="50" charset="-127"/>
+                <a:ea typeface="맑은 고딕" panose="020B0503020000020004" pitchFamily="50" charset="-127"/>
+              </a:rPr>
+              <a:t>- </a:t>
+            </a:r>
+            <a:r>
+              <a:rPr lang="ko-KR" altLang="en-US" sz="2000" dirty="0">
+                <a:latin typeface="맑은 고딕" panose="020B0503020000020004" pitchFamily="50" charset="-127"/>
+                <a:ea typeface="맑은 고딕" panose="020B0503020000020004" pitchFamily="50" charset="-127"/>
+              </a:rPr>
               <a:t>강아지가 앉아 있는 자세</a:t>
             </a:r>
             <a:r>
-              <a:rPr lang="en-US" altLang="ko-KR" sz="2000" dirty="0"/>
+              <a:rPr lang="en-US" altLang="ko-KR" sz="2000" dirty="0">
+                <a:latin typeface="맑은 고딕" panose="020B0503020000020004" pitchFamily="50" charset="-127"/>
+                <a:ea typeface="맑은 고딕" panose="020B0503020000020004" pitchFamily="50" charset="-127"/>
+              </a:rPr>
               <a:t>. </a:t>
             </a:r>
             <a:r>
-              <a:rPr lang="ko-KR" altLang="en-US" sz="2000" dirty="0"/>
+              <a:rPr lang="ko-KR" altLang="en-US" sz="2000" dirty="0">
+                <a:latin typeface="맑은 고딕" panose="020B0503020000020004" pitchFamily="50" charset="-127"/>
+                <a:ea typeface="맑은 고딕" panose="020B0503020000020004" pitchFamily="50" charset="-127"/>
+              </a:rPr>
               <a:t>서있는 자세 등의 행동들을 이미지별로 </a:t>
             </a:r>
             <a:r>
-              <a:rPr lang="en-US" altLang="ko-KR" sz="2000" dirty="0"/>
+              <a:rPr lang="en-US" altLang="ko-KR" sz="2000" dirty="0">
+                <a:latin typeface="맑은 고딕" panose="020B0503020000020004" pitchFamily="50" charset="-127"/>
+                <a:ea typeface="맑은 고딕" panose="020B0503020000020004" pitchFamily="50" charset="-127"/>
+              </a:rPr>
               <a:t>1000</a:t>
             </a:r>
             <a:r>
-              <a:rPr lang="ko-KR" altLang="en-US" sz="2000" dirty="0"/>
+              <a:rPr lang="ko-KR" altLang="en-US" sz="2000" dirty="0">
+                <a:latin typeface="맑은 고딕" panose="020B0503020000020004" pitchFamily="50" charset="-127"/>
+                <a:ea typeface="맑은 고딕" panose="020B0503020000020004" pitchFamily="50" charset="-127"/>
+              </a:rPr>
               <a:t>장씩 데이터를 </a:t>
             </a:r>
             <a:r>
-              <a:rPr lang="ko-KR" altLang="en-US" sz="2000" dirty="0" err="1"/>
+              <a:rPr lang="ko-KR" altLang="en-US" sz="2000" dirty="0" err="1">
+                <a:latin typeface="맑은 고딕" panose="020B0503020000020004" pitchFamily="50" charset="-127"/>
+                <a:ea typeface="맑은 고딕" panose="020B0503020000020004" pitchFamily="50" charset="-127"/>
+              </a:rPr>
               <a:t>태깅</a:t>
             </a:r>
-            <a:endParaRPr lang="en-US" altLang="ko-KR" sz="2000" dirty="0"/>
-          </a:p>
-          <a:p>
-            <a:r>
-              <a:rPr lang="ko-KR" altLang="en-US" sz="2000" dirty="0"/>
+            <a:endParaRPr lang="en-US" altLang="ko-KR" sz="2000" dirty="0">
+              <a:latin typeface="맑은 고딕" panose="020B0503020000020004" pitchFamily="50" charset="-127"/>
+              <a:ea typeface="맑은 고딕" panose="020B0503020000020004" pitchFamily="50" charset="-127"/>
+            </a:endParaRPr>
+          </a:p>
+          <a:p>
+            <a:pPr marL="0" indent="0">
+              <a:buNone/>
+            </a:pPr>
+            <a:r>
+              <a:rPr lang="en-US" altLang="ko-KR" sz="2000" dirty="0">
+                <a:latin typeface="맑은 고딕" panose="020B0503020000020004" pitchFamily="50" charset="-127"/>
+                <a:ea typeface="맑은 고딕" panose="020B0503020000020004" pitchFamily="50" charset="-127"/>
+              </a:rPr>
+              <a:t>- </a:t>
+            </a:r>
+            <a:r>
+              <a:rPr lang="ko-KR" altLang="en-US" sz="2000" dirty="0">
+                <a:latin typeface="맑은 고딕" panose="020B0503020000020004" pitchFamily="50" charset="-127"/>
+                <a:ea typeface="맑은 고딕" panose="020B0503020000020004" pitchFamily="50" charset="-127"/>
+              </a:rPr>
               <a:t>딥러닝 기반의 </a:t>
             </a:r>
             <a:r>
-              <a:rPr lang="en-US" altLang="ko-KR" sz="2000" dirty="0"/>
+              <a:rPr lang="en-US" altLang="ko-KR" sz="2000" dirty="0">
+                <a:latin typeface="맑은 고딕" panose="020B0503020000020004" pitchFamily="50" charset="-127"/>
+                <a:ea typeface="맑은 고딕" panose="020B0503020000020004" pitchFamily="50" charset="-127"/>
+              </a:rPr>
               <a:t>CNN</a:t>
             </a:r>
             <a:r>
-              <a:rPr lang="ko-KR" altLang="en-US" sz="2000" dirty="0"/>
+              <a:rPr lang="ko-KR" altLang="en-US" sz="2000" dirty="0">
+                <a:latin typeface="맑은 고딕" panose="020B0503020000020004" pitchFamily="50" charset="-127"/>
+                <a:ea typeface="맑은 고딕" panose="020B0503020000020004" pitchFamily="50" charset="-127"/>
+              </a:rPr>
               <a:t>을 통해 자세별로의 특징을 잡아내는 과정</a:t>
             </a:r>
-            <a:endParaRPr lang="en-US" altLang="ko-KR" sz="2000" dirty="0"/>
-          </a:p>
-          <a:p>
-            <a:r>
-              <a:rPr lang="en-US" altLang="ko-KR" sz="2000" dirty="0"/>
-              <a:t>80</a:t>
-            </a:r>
-            <a:r>
-              <a:rPr lang="ko-KR" altLang="en-US" sz="2000" dirty="0"/>
+            <a:endParaRPr lang="en-US" altLang="ko-KR" sz="2000" dirty="0">
+              <a:latin typeface="맑은 고딕" panose="020B0503020000020004" pitchFamily="50" charset="-127"/>
+              <a:ea typeface="맑은 고딕" panose="020B0503020000020004" pitchFamily="50" charset="-127"/>
+            </a:endParaRPr>
+          </a:p>
+          <a:p>
+            <a:pPr marL="0" indent="0">
+              <a:buNone/>
+            </a:pPr>
+            <a:r>
+              <a:rPr lang="en-US" altLang="ko-KR" sz="2000" dirty="0">
+                <a:latin typeface="맑은 고딕" panose="020B0503020000020004" pitchFamily="50" charset="-127"/>
+                <a:ea typeface="맑은 고딕" panose="020B0503020000020004" pitchFamily="50" charset="-127"/>
+              </a:rPr>
+              <a:t>- 80</a:t>
+            </a:r>
+            <a:r>
+              <a:rPr lang="ko-KR" altLang="en-US" sz="2000" dirty="0">
+                <a:latin typeface="맑은 고딕" panose="020B0503020000020004" pitchFamily="50" charset="-127"/>
+                <a:ea typeface="맑은 고딕" panose="020B0503020000020004" pitchFamily="50" charset="-127"/>
+              </a:rPr>
               <a:t>시간시간의 학습 과정</a:t>
             </a:r>
-            <a:endParaRPr lang="en-US" altLang="ko-KR" sz="2000" dirty="0"/>
+            <a:endParaRPr lang="en-US" altLang="ko-KR" sz="2000" dirty="0">
+              <a:latin typeface="맑은 고딕" panose="020B0503020000020004" pitchFamily="50" charset="-127"/>
+              <a:ea typeface="맑은 고딕" panose="020B0503020000020004" pitchFamily="50" charset="-127"/>
+            </a:endParaRPr>
           </a:p>
         </p:txBody>
       </p:sp>
@@ -6991,6 +7092,8 @@
                     <a:tint val="75000"/>
                   </a:prstClr>
                 </a:solidFill>
+                <a:latin typeface="맑은 고딕" panose="020B0503020000020004" pitchFamily="50" charset="-127"/>
+                <a:ea typeface="맑은 고딕" panose="020B0503020000020004" pitchFamily="50" charset="-127"/>
               </a:rPr>
               <a:pPr/>
               <a:t>10</a:t>
@@ -7001,6 +7104,8 @@
                   <a:tint val="75000"/>
                 </a:prstClr>
               </a:solidFill>
+              <a:latin typeface="맑은 고딕" panose="020B0503020000020004" pitchFamily="50" charset="-127"/>
+              <a:ea typeface="맑은 고딕" panose="020B0503020000020004" pitchFamily="50" charset="-127"/>
             </a:endParaRPr>
           </a:p>
         </p:txBody>
@@ -7216,10 +7321,47 @@
       </p:pic>
       <p:sp>
         <p:nvSpPr>
-          <p:cNvPr id="6" name="제목 1">
+          <p:cNvPr id="3" name="직사각형 2">
             <a:extLst>
               <a:ext uri="{FF2B5EF4-FFF2-40B4-BE49-F238E27FC236}">
-                <a16:creationId xmlns:a16="http://schemas.microsoft.com/office/drawing/2014/main" id="{DBCF69B8-1172-4D9D-B6E7-2ADB5843A386}"/>
+                <a16:creationId xmlns:a16="http://schemas.microsoft.com/office/drawing/2014/main" id="{6C3E28ED-CE63-462C-91B0-85F11EC6D5D4}"/>
+              </a:ext>
+            </a:extLst>
+          </p:cNvPr>
+          <p:cNvSpPr/>
+          <p:nvPr/>
+        </p:nvSpPr>
+        <p:spPr>
+          <a:xfrm>
+            <a:off x="3774830" y="5535797"/>
+            <a:ext cx="5478163" cy="461665"/>
+          </a:xfrm>
+          <a:prstGeom prst="rect">
+            <a:avLst/>
+          </a:prstGeom>
+        </p:spPr>
+        <p:txBody>
+          <a:bodyPr wrap="square">
+            <a:spAutoFit/>
+          </a:bodyPr>
+          <a:lstStyle/>
+          <a:p>
+            <a:r>
+              <a:rPr lang="ko-KR" altLang="en-US" sz="2400" dirty="0">
+                <a:latin typeface="맑은 고딕" panose="020B0503020000020004" pitchFamily="50" charset="-127"/>
+                <a:ea typeface="맑은 고딕" panose="020B0503020000020004" pitchFamily="50" charset="-127"/>
+              </a:rPr>
+              <a:t>학습 횟수에 따른 정확도 출력</a:t>
+            </a:r>
+          </a:p>
+        </p:txBody>
+      </p:sp>
+      <p:sp>
+        <p:nvSpPr>
+          <p:cNvPr id="7" name="제목 1">
+            <a:extLst>
+              <a:ext uri="{FF2B5EF4-FFF2-40B4-BE49-F238E27FC236}">
+                <a16:creationId xmlns:a16="http://schemas.microsoft.com/office/drawing/2014/main" id="{ECB916B9-8EA8-4FFB-AD2F-B5266D09A586}"/>
               </a:ext>
             </a:extLst>
           </p:cNvPr>
@@ -7230,8 +7372,8 @@
         </p:nvSpPr>
         <p:spPr>
           <a:xfrm>
-            <a:off x="300452" y="1389230"/>
-            <a:ext cx="10515600" cy="821991"/>
+            <a:off x="186651" y="1477922"/>
+            <a:ext cx="3588179" cy="507248"/>
           </a:xfrm>
           <a:prstGeom prst="rect">
             <a:avLst/>
@@ -7260,46 +7402,18 @@
           </a:lstStyle>
           <a:p>
             <a:r>
-              <a:rPr lang="en-US" altLang="ko-KR" sz="3000" dirty="0"/>
-              <a:t>-</a:t>
-            </a:r>
-            <a:r>
-              <a:rPr lang="ko-KR" altLang="en-US" sz="3000" dirty="0"/>
+              <a:rPr lang="en-US" altLang="ko-KR" sz="2800" b="1">
+                <a:latin typeface="맑은 고딕" panose="020B0503020000020004" pitchFamily="50" charset="-127"/>
+                <a:ea typeface="맑은 고딕" panose="020B0503020000020004" pitchFamily="50" charset="-127"/>
+              </a:rPr>
+              <a:t>- </a:t>
+            </a:r>
+            <a:r>
+              <a:rPr lang="ko-KR" altLang="en-US" sz="2800" b="1" dirty="0">
+                <a:latin typeface="맑은 고딕" panose="020B0503020000020004" pitchFamily="50" charset="-127"/>
+                <a:ea typeface="맑은 고딕" panose="020B0503020000020004" pitchFamily="50" charset="-127"/>
+              </a:rPr>
               <a:t>딥러닝 정확도</a:t>
-            </a:r>
-          </a:p>
-        </p:txBody>
-      </p:sp>
-      <p:sp>
-        <p:nvSpPr>
-          <p:cNvPr id="3" name="직사각형 2">
-            <a:extLst>
-              <a:ext uri="{FF2B5EF4-FFF2-40B4-BE49-F238E27FC236}">
-                <a16:creationId xmlns:a16="http://schemas.microsoft.com/office/drawing/2014/main" id="{6C3E28ED-CE63-462C-91B0-85F11EC6D5D4}"/>
-              </a:ext>
-            </a:extLst>
-          </p:cNvPr>
-          <p:cNvSpPr/>
-          <p:nvPr/>
-        </p:nvSpPr>
-        <p:spPr>
-          <a:xfrm>
-            <a:off x="617836" y="5468770"/>
-            <a:ext cx="5478163" cy="477054"/>
-          </a:xfrm>
-          <a:prstGeom prst="rect">
-            <a:avLst/>
-          </a:prstGeom>
-        </p:spPr>
-        <p:txBody>
-          <a:bodyPr wrap="square">
-            <a:spAutoFit/>
-          </a:bodyPr>
-          <a:lstStyle/>
-          <a:p>
-            <a:r>
-              <a:rPr lang="ko-KR" altLang="en-US" sz="2500" dirty="0"/>
-              <a:t>학습 횟수에 따른 정확도 출력</a:t>
             </a:r>
           </a:p>
         </p:txBody>
@@ -7416,62 +7530,6 @@
               <a:t>12</a:t>
             </a:r>
             <a:endParaRPr lang="ko-KR" altLang="en-US" dirty="0"/>
-          </a:p>
-        </p:txBody>
-      </p:sp>
-      <p:sp>
-        <p:nvSpPr>
-          <p:cNvPr id="6" name="제목 1">
-            <a:extLst>
-              <a:ext uri="{FF2B5EF4-FFF2-40B4-BE49-F238E27FC236}">
-                <a16:creationId xmlns:a16="http://schemas.microsoft.com/office/drawing/2014/main" id="{1FDE5660-0239-4B76-93E0-F89FB398DEF3}"/>
-              </a:ext>
-            </a:extLst>
-          </p:cNvPr>
-          <p:cNvSpPr txBox="1">
-            <a:spLocks/>
-          </p:cNvSpPr>
-          <p:nvPr/>
-        </p:nvSpPr>
-        <p:spPr>
-          <a:xfrm>
-            <a:off x="540172" y="1446558"/>
-            <a:ext cx="11567160" cy="857568"/>
-          </a:xfrm>
-          <a:prstGeom prst="rect">
-            <a:avLst/>
-          </a:prstGeom>
-        </p:spPr>
-        <p:txBody>
-          <a:bodyPr/>
-          <a:lstStyle>
-            <a:lvl1pPr algn="l" defTabSz="914400" rtl="0" eaLnBrk="1" latinLnBrk="1" hangingPunct="1">
-              <a:lnSpc>
-                <a:spcPct val="90000"/>
-              </a:lnSpc>
-              <a:spcBef>
-                <a:spcPct val="0"/>
-              </a:spcBef>
-              <a:buNone/>
-              <a:defRPr sz="4400" kern="1200">
-                <a:solidFill>
-                  <a:schemeClr val="tx1"/>
-                </a:solidFill>
-                <a:latin typeface="+mj-lt"/>
-                <a:ea typeface="+mj-ea"/>
-                <a:cs typeface="+mj-cs"/>
-              </a:defRPr>
-            </a:lvl1pPr>
-          </a:lstStyle>
-          <a:p>
-            <a:r>
-              <a:rPr lang="en-US" altLang="ko-KR" sz="3500" dirty="0"/>
-              <a:t>-</a:t>
-            </a:r>
-            <a:r>
-              <a:rPr lang="ko-KR" altLang="en-US" sz="3500" dirty="0"/>
-              <a:t>강화학습</a:t>
-            </a:r>
           </a:p>
         </p:txBody>
       </p:sp>
@@ -7665,57 +7723,153 @@
             </a:lvl9pPr>
           </a:lstStyle>
           <a:p>
-            <a:endParaRPr lang="en-US" altLang="ko-KR" dirty="0"/>
-          </a:p>
-          <a:p>
-            <a:endParaRPr lang="en-US" altLang="ko-KR" dirty="0"/>
-          </a:p>
-          <a:p>
-            <a:endParaRPr lang="en-US" altLang="ko-KR" dirty="0"/>
-          </a:p>
-          <a:p>
-            <a:endParaRPr lang="en-US" altLang="ko-KR" dirty="0"/>
-          </a:p>
-          <a:p>
-            <a:endParaRPr lang="en-US" altLang="ko-KR" dirty="0"/>
-          </a:p>
-          <a:p>
-            <a:endParaRPr lang="en-US" altLang="ko-KR" dirty="0"/>
-          </a:p>
-          <a:p>
-            <a:endParaRPr lang="en-US" altLang="ko-KR" sz="2300" dirty="0"/>
-          </a:p>
-          <a:p>
-            <a:r>
-              <a:rPr lang="ko-KR" altLang="en-US" sz="2300" dirty="0" err="1"/>
+            <a:endParaRPr lang="en-US" altLang="ko-KR" dirty="0">
+              <a:latin typeface="맑은 고딕" panose="020B0503020000020004" pitchFamily="50" charset="-127"/>
+              <a:ea typeface="맑은 고딕" panose="020B0503020000020004" pitchFamily="50" charset="-127"/>
+            </a:endParaRPr>
+          </a:p>
+          <a:p>
+            <a:endParaRPr lang="en-US" altLang="ko-KR" dirty="0">
+              <a:latin typeface="맑은 고딕" panose="020B0503020000020004" pitchFamily="50" charset="-127"/>
+              <a:ea typeface="맑은 고딕" panose="020B0503020000020004" pitchFamily="50" charset="-127"/>
+            </a:endParaRPr>
+          </a:p>
+          <a:p>
+            <a:endParaRPr lang="en-US" altLang="ko-KR" dirty="0">
+              <a:latin typeface="맑은 고딕" panose="020B0503020000020004" pitchFamily="50" charset="-127"/>
+              <a:ea typeface="맑은 고딕" panose="020B0503020000020004" pitchFamily="50" charset="-127"/>
+            </a:endParaRPr>
+          </a:p>
+          <a:p>
+            <a:endParaRPr lang="en-US" altLang="ko-KR" dirty="0">
+              <a:latin typeface="맑은 고딕" panose="020B0503020000020004" pitchFamily="50" charset="-127"/>
+              <a:ea typeface="맑은 고딕" panose="020B0503020000020004" pitchFamily="50" charset="-127"/>
+            </a:endParaRPr>
+          </a:p>
+          <a:p>
+            <a:endParaRPr lang="en-US" altLang="ko-KR" dirty="0">
+              <a:latin typeface="맑은 고딕" panose="020B0503020000020004" pitchFamily="50" charset="-127"/>
+              <a:ea typeface="맑은 고딕" panose="020B0503020000020004" pitchFamily="50" charset="-127"/>
+            </a:endParaRPr>
+          </a:p>
+          <a:p>
+            <a:endParaRPr lang="en-US" altLang="ko-KR" dirty="0">
+              <a:latin typeface="맑은 고딕" panose="020B0503020000020004" pitchFamily="50" charset="-127"/>
+              <a:ea typeface="맑은 고딕" panose="020B0503020000020004" pitchFamily="50" charset="-127"/>
+            </a:endParaRPr>
+          </a:p>
+          <a:p>
+            <a:endParaRPr lang="en-US" altLang="ko-KR" sz="2300" dirty="0">
+              <a:latin typeface="맑은 고딕" panose="020B0503020000020004" pitchFamily="50" charset="-127"/>
+              <a:ea typeface="맑은 고딕" panose="020B0503020000020004" pitchFamily="50" charset="-127"/>
+            </a:endParaRPr>
+          </a:p>
+          <a:p>
+            <a:pPr marL="0" indent="0">
+              <a:buNone/>
+            </a:pPr>
+            <a:r>
+              <a:rPr lang="en-US" altLang="ko-KR" sz="2300" dirty="0">
+                <a:latin typeface="맑은 고딕" panose="020B0503020000020004" pitchFamily="50" charset="-127"/>
+                <a:ea typeface="맑은 고딕" panose="020B0503020000020004" pitchFamily="50" charset="-127"/>
+              </a:rPr>
+              <a:t>- </a:t>
+            </a:r>
+            <a:r>
+              <a:rPr lang="ko-KR" altLang="en-US" sz="2300" dirty="0" err="1">
+                <a:latin typeface="맑은 고딕" panose="020B0503020000020004" pitchFamily="50" charset="-127"/>
+                <a:ea typeface="맑은 고딕" panose="020B0503020000020004" pitchFamily="50" charset="-127"/>
+              </a:rPr>
               <a:t>머신러닝의</a:t>
             </a:r>
             <a:r>
-              <a:rPr lang="ko-KR" altLang="en-US" sz="2300" dirty="0"/>
+              <a:rPr lang="ko-KR" altLang="en-US" sz="2300" dirty="0">
+                <a:latin typeface="맑은 고딕" panose="020B0503020000020004" pitchFamily="50" charset="-127"/>
+                <a:ea typeface="맑은 고딕" panose="020B0503020000020004" pitchFamily="50" charset="-127"/>
+              </a:rPr>
               <a:t> </a:t>
             </a:r>
             <a:r>
-              <a:rPr lang="ko-KR" altLang="en-US" sz="2300" dirty="0" err="1"/>
+              <a:rPr lang="ko-KR" altLang="en-US" sz="2300" dirty="0" err="1">
+                <a:latin typeface="맑은 고딕" panose="020B0503020000020004" pitchFamily="50" charset="-127"/>
+                <a:ea typeface="맑은 고딕" panose="020B0503020000020004" pitchFamily="50" charset="-127"/>
+              </a:rPr>
               <a:t>기법중</a:t>
             </a:r>
             <a:r>
-              <a:rPr lang="ko-KR" altLang="en-US" sz="2300" dirty="0"/>
+              <a:rPr lang="ko-KR" altLang="en-US" sz="2300" dirty="0">
+                <a:latin typeface="맑은 고딕" panose="020B0503020000020004" pitchFamily="50" charset="-127"/>
+                <a:ea typeface="맑은 고딕" panose="020B0503020000020004" pitchFamily="50" charset="-127"/>
+              </a:rPr>
               <a:t> 하나인 강화학습을 이용하여 반려견의 행동 특정화</a:t>
             </a:r>
-            <a:endParaRPr lang="en-US" altLang="ko-KR" sz="2300" dirty="0"/>
-          </a:p>
-          <a:p>
-            <a:r>
-              <a:rPr lang="ko-KR" altLang="en-US" sz="2300" dirty="0"/>
+            <a:endParaRPr lang="en-US" altLang="ko-KR" sz="2300" dirty="0">
+              <a:latin typeface="맑은 고딕" panose="020B0503020000020004" pitchFamily="50" charset="-127"/>
+              <a:ea typeface="맑은 고딕" panose="020B0503020000020004" pitchFamily="50" charset="-127"/>
+            </a:endParaRPr>
+          </a:p>
+          <a:p>
+            <a:pPr>
+              <a:buFontTx/>
+              <a:buChar char="-"/>
+            </a:pPr>
+            <a:r>
+              <a:rPr lang="ko-KR" altLang="en-US" sz="2300" dirty="0">
+                <a:latin typeface="맑은 고딕" panose="020B0503020000020004" pitchFamily="50" charset="-127"/>
+                <a:ea typeface="맑은 고딕" panose="020B0503020000020004" pitchFamily="50" charset="-127"/>
+              </a:rPr>
               <a:t>반려견이 행동이 하는 과정을 </a:t>
             </a:r>
             <a:r>
-              <a:rPr lang="en-US" altLang="ko-KR" sz="2300" dirty="0"/>
+              <a:rPr lang="en-US" altLang="ko-KR" sz="2300" dirty="0">
+                <a:latin typeface="맑은 고딕" panose="020B0503020000020004" pitchFamily="50" charset="-127"/>
+                <a:ea typeface="맑은 고딕" panose="020B0503020000020004" pitchFamily="50" charset="-127"/>
+              </a:rPr>
               <a:t>CNN</a:t>
             </a:r>
             <a:r>
-              <a:rPr lang="ko-KR" altLang="en-US" sz="2300" dirty="0"/>
-              <a:t>을 통해 분석된 자세들을 이용하여 반복적으로 행동을 분류</a:t>
+              <a:rPr lang="ko-KR" altLang="en-US" sz="2300" dirty="0">
+                <a:latin typeface="맑은 고딕" panose="020B0503020000020004" pitchFamily="50" charset="-127"/>
+                <a:ea typeface="맑은 고딕" panose="020B0503020000020004" pitchFamily="50" charset="-127"/>
+              </a:rPr>
+              <a:t>을 통해 분석된</a:t>
+            </a:r>
+            <a:endParaRPr lang="en-US" altLang="ko-KR" sz="2300" dirty="0">
+              <a:latin typeface="맑은 고딕" panose="020B0503020000020004" pitchFamily="50" charset="-127"/>
+              <a:ea typeface="맑은 고딕" panose="020B0503020000020004" pitchFamily="50" charset="-127"/>
+            </a:endParaRPr>
+          </a:p>
+          <a:p>
+            <a:pPr marL="0" indent="0">
+              <a:buNone/>
+            </a:pPr>
+            <a:r>
+              <a:rPr lang="en-US" altLang="ko-KR" sz="2300" dirty="0">
+                <a:latin typeface="맑은 고딕" panose="020B0503020000020004" pitchFamily="50" charset="-127"/>
+                <a:ea typeface="맑은 고딕" panose="020B0503020000020004" pitchFamily="50" charset="-127"/>
+              </a:rPr>
+              <a:t>  </a:t>
+            </a:r>
+            <a:r>
+              <a:rPr lang="ko-KR" altLang="en-US" sz="2300" dirty="0">
+                <a:latin typeface="맑은 고딕" panose="020B0503020000020004" pitchFamily="50" charset="-127"/>
+                <a:ea typeface="맑은 고딕" panose="020B0503020000020004" pitchFamily="50" charset="-127"/>
+              </a:rPr>
+              <a:t>자세들을 이용하여</a:t>
+            </a:r>
+            <a:r>
+              <a:rPr lang="en-US" altLang="ko-KR" sz="2300" dirty="0">
+                <a:latin typeface="맑은 고딕" panose="020B0503020000020004" pitchFamily="50" charset="-127"/>
+                <a:ea typeface="맑은 고딕" panose="020B0503020000020004" pitchFamily="50" charset="-127"/>
+              </a:rPr>
+              <a:t> </a:t>
+            </a:r>
+            <a:r>
+              <a:rPr lang="ko-KR" altLang="en-US" sz="2300" dirty="0">
+                <a:latin typeface="맑은 고딕" panose="020B0503020000020004" pitchFamily="50" charset="-127"/>
+                <a:ea typeface="맑은 고딕" panose="020B0503020000020004" pitchFamily="50" charset="-127"/>
+              </a:rPr>
+              <a:t>반복적으로 행동을 분류</a:t>
             </a:r>
           </a:p>
         </p:txBody>
@@ -7767,6 +7921,68 @@
           </a:extLst>
         </p:spPr>
       </p:pic>
+      <p:sp>
+        <p:nvSpPr>
+          <p:cNvPr id="9" name="제목 1">
+            <a:extLst>
+              <a:ext uri="{FF2B5EF4-FFF2-40B4-BE49-F238E27FC236}">
+                <a16:creationId xmlns:a16="http://schemas.microsoft.com/office/drawing/2014/main" id="{DF45348A-0239-4C03-8F70-41453FA8B8F9}"/>
+              </a:ext>
+            </a:extLst>
+          </p:cNvPr>
+          <p:cNvSpPr txBox="1">
+            <a:spLocks/>
+          </p:cNvSpPr>
+          <p:nvPr/>
+        </p:nvSpPr>
+        <p:spPr>
+          <a:xfrm>
+            <a:off x="186651" y="1477922"/>
+            <a:ext cx="3588179" cy="507248"/>
+          </a:xfrm>
+          <a:prstGeom prst="rect">
+            <a:avLst/>
+          </a:prstGeom>
+        </p:spPr>
+        <p:txBody>
+          <a:bodyPr/>
+          <a:lstStyle>
+            <a:lvl1pPr algn="l" defTabSz="914400" rtl="0" eaLnBrk="1" latinLnBrk="1" hangingPunct="1">
+              <a:lnSpc>
+                <a:spcPct val="90000"/>
+              </a:lnSpc>
+              <a:spcBef>
+                <a:spcPct val="0"/>
+              </a:spcBef>
+              <a:buNone/>
+              <a:defRPr sz="4400" kern="1200">
+                <a:solidFill>
+                  <a:schemeClr val="tx1"/>
+                </a:solidFill>
+                <a:latin typeface="+mj-lt"/>
+                <a:ea typeface="+mj-ea"/>
+                <a:cs typeface="+mj-cs"/>
+              </a:defRPr>
+            </a:lvl1pPr>
+          </a:lstStyle>
+          <a:p>
+            <a:r>
+              <a:rPr lang="en-US" altLang="ko-KR" sz="2800" b="1" dirty="0">
+                <a:latin typeface="맑은 고딕" panose="020B0503020000020004" pitchFamily="50" charset="-127"/>
+                <a:ea typeface="맑은 고딕" panose="020B0503020000020004" pitchFamily="50" charset="-127"/>
+              </a:rPr>
+              <a:t>- </a:t>
+            </a:r>
+            <a:r>
+              <a:rPr lang="ko-KR" altLang="en-US" sz="2800" b="1" dirty="0">
+                <a:latin typeface="맑은 고딕" panose="020B0503020000020004" pitchFamily="50" charset="-127"/>
+                <a:ea typeface="맑은 고딕" panose="020B0503020000020004" pitchFamily="50" charset="-127"/>
+              </a:rPr>
+              <a:t>강화학습</a:t>
+            </a:r>
+          </a:p>
+        </p:txBody>
+      </p:sp>
     </p:spTree>
     <p:extLst>
       <p:ext uri="{BB962C8B-B14F-4D97-AF65-F5344CB8AC3E}">
@@ -7879,62 +8095,6 @@
               <a:t>13</a:t>
             </a:r>
             <a:endParaRPr lang="ko-KR" altLang="en-US" dirty="0"/>
-          </a:p>
-        </p:txBody>
-      </p:sp>
-      <p:sp>
-        <p:nvSpPr>
-          <p:cNvPr id="4" name="제목 1">
-            <a:extLst>
-              <a:ext uri="{FF2B5EF4-FFF2-40B4-BE49-F238E27FC236}">
-                <a16:creationId xmlns:a16="http://schemas.microsoft.com/office/drawing/2014/main" id="{48664D75-BDA1-462E-B4A9-259D4775B6CB}"/>
-              </a:ext>
-            </a:extLst>
-          </p:cNvPr>
-          <p:cNvSpPr txBox="1">
-            <a:spLocks/>
-          </p:cNvSpPr>
-          <p:nvPr/>
-        </p:nvSpPr>
-        <p:spPr>
-          <a:xfrm>
-            <a:off x="300452" y="1315943"/>
-            <a:ext cx="10515600" cy="679005"/>
-          </a:xfrm>
-          <a:prstGeom prst="rect">
-            <a:avLst/>
-          </a:prstGeom>
-        </p:spPr>
-        <p:txBody>
-          <a:bodyPr/>
-          <a:lstStyle>
-            <a:lvl1pPr algn="l" defTabSz="914400" rtl="0" eaLnBrk="1" latinLnBrk="1" hangingPunct="1">
-              <a:lnSpc>
-                <a:spcPct val="90000"/>
-              </a:lnSpc>
-              <a:spcBef>
-                <a:spcPct val="0"/>
-              </a:spcBef>
-              <a:buNone/>
-              <a:defRPr sz="4400" kern="1200">
-                <a:solidFill>
-                  <a:schemeClr val="tx1"/>
-                </a:solidFill>
-                <a:latin typeface="+mj-lt"/>
-                <a:ea typeface="+mj-ea"/>
-                <a:cs typeface="+mj-cs"/>
-              </a:defRPr>
-            </a:lvl1pPr>
-          </a:lstStyle>
-          <a:p>
-            <a:r>
-              <a:rPr lang="en-US" altLang="ko-KR" sz="3500" dirty="0"/>
-              <a:t>-</a:t>
-            </a:r>
-            <a:r>
-              <a:rPr lang="ko-KR" altLang="en-US" sz="3500" dirty="0"/>
-              <a:t>학습 결과</a:t>
-            </a:r>
           </a:p>
         </p:txBody>
       </p:sp>
@@ -8128,45 +8288,107 @@
             </a:lvl9pPr>
           </a:lstStyle>
           <a:p>
-            <a:endParaRPr lang="en-US" altLang="ko-KR" dirty="0"/>
-          </a:p>
-          <a:p>
-            <a:endParaRPr lang="en-US" altLang="ko-KR" dirty="0"/>
-          </a:p>
-          <a:p>
-            <a:endParaRPr lang="en-US" altLang="ko-KR" dirty="0"/>
-          </a:p>
-          <a:p>
-            <a:endParaRPr lang="en-US" altLang="ko-KR" dirty="0"/>
+            <a:endParaRPr lang="en-US" altLang="ko-KR" sz="2400" dirty="0">
+              <a:latin typeface="맑은 고딕" panose="020B0503020000020004" pitchFamily="50" charset="-127"/>
+              <a:ea typeface="맑은 고딕" panose="020B0503020000020004" pitchFamily="50" charset="-127"/>
+            </a:endParaRPr>
+          </a:p>
+          <a:p>
+            <a:endParaRPr lang="en-US" altLang="ko-KR" sz="2400" dirty="0">
+              <a:latin typeface="맑은 고딕" panose="020B0503020000020004" pitchFamily="50" charset="-127"/>
+              <a:ea typeface="맑은 고딕" panose="020B0503020000020004" pitchFamily="50" charset="-127"/>
+            </a:endParaRPr>
+          </a:p>
+          <a:p>
+            <a:endParaRPr lang="en-US" altLang="ko-KR" sz="2400" dirty="0">
+              <a:latin typeface="맑은 고딕" panose="020B0503020000020004" pitchFamily="50" charset="-127"/>
+              <a:ea typeface="맑은 고딕" panose="020B0503020000020004" pitchFamily="50" charset="-127"/>
+            </a:endParaRPr>
+          </a:p>
+          <a:p>
+            <a:endParaRPr lang="en-US" altLang="ko-KR" sz="2400" dirty="0">
+              <a:latin typeface="맑은 고딕" panose="020B0503020000020004" pitchFamily="50" charset="-127"/>
+              <a:ea typeface="맑은 고딕" panose="020B0503020000020004" pitchFamily="50" charset="-127"/>
+            </a:endParaRPr>
           </a:p>
           <a:p>
             <a:pPr marL="0" indent="0">
               <a:buNone/>
             </a:pPr>
-            <a:endParaRPr lang="en-US" altLang="ko-KR" dirty="0"/>
-          </a:p>
-          <a:p>
-            <a:r>
-              <a:rPr lang="ko-KR" altLang="en-US" dirty="0" err="1"/>
+            <a:endParaRPr lang="en-US" altLang="ko-KR" sz="2400" dirty="0">
+              <a:latin typeface="맑은 고딕" panose="020B0503020000020004" pitchFamily="50" charset="-127"/>
+              <a:ea typeface="맑은 고딕" panose="020B0503020000020004" pitchFamily="50" charset="-127"/>
+            </a:endParaRPr>
+          </a:p>
+          <a:p>
+            <a:pPr marL="0" indent="0">
+              <a:buNone/>
+            </a:pPr>
+            <a:endParaRPr lang="en-US" altLang="ko-KR" sz="2400" dirty="0">
+              <a:latin typeface="맑은 고딕" panose="020B0503020000020004" pitchFamily="50" charset="-127"/>
+              <a:ea typeface="맑은 고딕" panose="020B0503020000020004" pitchFamily="50" charset="-127"/>
+            </a:endParaRPr>
+          </a:p>
+          <a:p>
+            <a:pPr marL="0" indent="0">
+              <a:buNone/>
+            </a:pPr>
+            <a:r>
+              <a:rPr lang="en-US" altLang="ko-KR" sz="2400" dirty="0">
+                <a:latin typeface="맑은 고딕" panose="020B0503020000020004" pitchFamily="50" charset="-127"/>
+                <a:ea typeface="맑은 고딕" panose="020B0503020000020004" pitchFamily="50" charset="-127"/>
+              </a:rPr>
+              <a:t>- </a:t>
+            </a:r>
+            <a:r>
+              <a:rPr lang="ko-KR" altLang="en-US" sz="2400" dirty="0" err="1">
+                <a:latin typeface="맑은 고딕" panose="020B0503020000020004" pitchFamily="50" charset="-127"/>
+                <a:ea typeface="맑은 고딕" panose="020B0503020000020004" pitchFamily="50" charset="-127"/>
+              </a:rPr>
               <a:t>머신러닝을</a:t>
             </a:r>
             <a:r>
-              <a:rPr lang="ko-KR" altLang="en-US" dirty="0"/>
+              <a:rPr lang="ko-KR" altLang="en-US" sz="2400" dirty="0">
+                <a:latin typeface="맑은 고딕" panose="020B0503020000020004" pitchFamily="50" charset="-127"/>
+                <a:ea typeface="맑은 고딕" panose="020B0503020000020004" pitchFamily="50" charset="-127"/>
+              </a:rPr>
               <a:t> 통해 행동이 학습된 결과</a:t>
             </a:r>
-            <a:endParaRPr lang="en-US" altLang="ko-KR" dirty="0"/>
-          </a:p>
-          <a:p>
-            <a:r>
-              <a:rPr lang="ko-KR" altLang="en-US" dirty="0"/>
+            <a:endParaRPr lang="en-US" altLang="ko-KR" sz="2400" dirty="0">
+              <a:latin typeface="맑은 고딕" panose="020B0503020000020004" pitchFamily="50" charset="-127"/>
+              <a:ea typeface="맑은 고딕" panose="020B0503020000020004" pitchFamily="50" charset="-127"/>
+            </a:endParaRPr>
+          </a:p>
+          <a:p>
+            <a:pPr marL="0" indent="0">
+              <a:buNone/>
+            </a:pPr>
+            <a:r>
+              <a:rPr lang="en-US" altLang="ko-KR" sz="2400" dirty="0">
+                <a:latin typeface="맑은 고딕" panose="020B0503020000020004" pitchFamily="50" charset="-127"/>
+                <a:ea typeface="맑은 고딕" panose="020B0503020000020004" pitchFamily="50" charset="-127"/>
+              </a:rPr>
+              <a:t>- </a:t>
+            </a:r>
+            <a:r>
+              <a:rPr lang="ko-KR" altLang="en-US" sz="2400" dirty="0">
+                <a:latin typeface="맑은 고딕" panose="020B0503020000020004" pitchFamily="50" charset="-127"/>
+                <a:ea typeface="맑은 고딕" panose="020B0503020000020004" pitchFamily="50" charset="-127"/>
+              </a:rPr>
               <a:t>카메라를 통해 누워있는 자세</a:t>
             </a:r>
             <a:r>
-              <a:rPr lang="en-US" altLang="ko-KR" dirty="0"/>
+              <a:rPr lang="en-US" altLang="ko-KR" sz="2400" dirty="0">
+                <a:latin typeface="맑은 고딕" panose="020B0503020000020004" pitchFamily="50" charset="-127"/>
+                <a:ea typeface="맑은 고딕" panose="020B0503020000020004" pitchFamily="50" charset="-127"/>
+              </a:rPr>
               <a:t>, </a:t>
             </a:r>
             <a:r>
-              <a:rPr lang="ko-KR" altLang="en-US" dirty="0"/>
+              <a:rPr lang="ko-KR" altLang="en-US" sz="2400" dirty="0">
+                <a:latin typeface="맑은 고딕" panose="020B0503020000020004" pitchFamily="50" charset="-127"/>
+                <a:ea typeface="맑은 고딕" panose="020B0503020000020004" pitchFamily="50" charset="-127"/>
+              </a:rPr>
               <a:t>서있는 자세 등의 행동을 파악가능</a:t>
             </a:r>
           </a:p>
@@ -8262,6 +8484,68 @@
           </a:extLst>
         </p:spPr>
       </p:pic>
+      <p:sp>
+        <p:nvSpPr>
+          <p:cNvPr id="10" name="제목 1">
+            <a:extLst>
+              <a:ext uri="{FF2B5EF4-FFF2-40B4-BE49-F238E27FC236}">
+                <a16:creationId xmlns:a16="http://schemas.microsoft.com/office/drawing/2014/main" id="{35B116DE-2009-4818-A6D0-0B3EBFC45A95}"/>
+              </a:ext>
+            </a:extLst>
+          </p:cNvPr>
+          <p:cNvSpPr txBox="1">
+            <a:spLocks/>
+          </p:cNvSpPr>
+          <p:nvPr/>
+        </p:nvSpPr>
+        <p:spPr>
+          <a:xfrm>
+            <a:off x="186651" y="1477922"/>
+            <a:ext cx="3588179" cy="507248"/>
+          </a:xfrm>
+          <a:prstGeom prst="rect">
+            <a:avLst/>
+          </a:prstGeom>
+        </p:spPr>
+        <p:txBody>
+          <a:bodyPr/>
+          <a:lstStyle>
+            <a:lvl1pPr algn="l" defTabSz="914400" rtl="0" eaLnBrk="1" latinLnBrk="1" hangingPunct="1">
+              <a:lnSpc>
+                <a:spcPct val="90000"/>
+              </a:lnSpc>
+              <a:spcBef>
+                <a:spcPct val="0"/>
+              </a:spcBef>
+              <a:buNone/>
+              <a:defRPr sz="4400" kern="1200">
+                <a:solidFill>
+                  <a:schemeClr val="tx1"/>
+                </a:solidFill>
+                <a:latin typeface="+mj-lt"/>
+                <a:ea typeface="+mj-ea"/>
+                <a:cs typeface="+mj-cs"/>
+              </a:defRPr>
+            </a:lvl1pPr>
+          </a:lstStyle>
+          <a:p>
+            <a:r>
+              <a:rPr lang="en-US" altLang="ko-KR" sz="2800" b="1" dirty="0">
+                <a:latin typeface="맑은 고딕" panose="020B0503020000020004" pitchFamily="50" charset="-127"/>
+                <a:ea typeface="맑은 고딕" panose="020B0503020000020004" pitchFamily="50" charset="-127"/>
+              </a:rPr>
+              <a:t>- </a:t>
+            </a:r>
+            <a:r>
+              <a:rPr lang="ko-KR" altLang="en-US" sz="2800" b="1" dirty="0">
+                <a:latin typeface="맑은 고딕" panose="020B0503020000020004" pitchFamily="50" charset="-127"/>
+                <a:ea typeface="맑은 고딕" panose="020B0503020000020004" pitchFamily="50" charset="-127"/>
+              </a:rPr>
+              <a:t>학습 결과</a:t>
+            </a:r>
+          </a:p>
+        </p:txBody>
+      </p:sp>
     </p:spTree>
     <p:extLst>
       <p:ext uri="{BB962C8B-B14F-4D97-AF65-F5344CB8AC3E}">
